--- a/Apresentação_Brain.pptx
+++ b/Apresentação_Brain.pptx
@@ -6,12 +6,15 @@
   </p:sldMasterIdLst>
   <p:sldIdLst>
     <p:sldId id="256" r:id="rId2"/>
-    <p:sldId id="257" r:id="rId3"/>
-    <p:sldId id="258" r:id="rId4"/>
-    <p:sldId id="259" r:id="rId5"/>
+    <p:sldId id="264" r:id="rId3"/>
+    <p:sldId id="257" r:id="rId4"/>
+    <p:sldId id="258" r:id="rId5"/>
     <p:sldId id="260" r:id="rId6"/>
-    <p:sldId id="261" r:id="rId7"/>
-    <p:sldId id="262" r:id="rId8"/>
+    <p:sldId id="259" r:id="rId7"/>
+    <p:sldId id="261" r:id="rId8"/>
+    <p:sldId id="263" r:id="rId9"/>
+    <p:sldId id="262" r:id="rId10"/>
+    <p:sldId id="265" r:id="rId11"/>
   </p:sldIdLst>
   <p:sldSz cx="9144000" cy="6858000" type="screen4x3"/>
   <p:notesSz cx="6858000" cy="9144000"/>
@@ -307,7 +310,7 @@
             <a:fld id="{451DEABC-D766-4322-8E78-B830FAE35C72}" type="datetime4">
               <a:rPr lang="en-US" smtClean="0"/>
               <a:pPr/>
-              <a:t>June 22, 2015</a:t>
+              <a:t>June 24, 2015</a:t>
             </a:fld>
             <a:endParaRPr lang="en-US" dirty="0"/>
           </a:p>
@@ -461,6 +464,9 @@
   <p:clrMapOvr>
     <a:masterClrMapping/>
   </p:clrMapOvr>
+  <p:transition xmlns:p14="http://schemas.microsoft.com/office/powerpoint/2010/main" spd="slow">
+    <p:push dir="u"/>
+  </p:transition>
 </p:sldLayout>
 </file>
 
@@ -574,7 +580,7 @@
             <a:fld id="{F3131F9E-604E-4343-9F29-EF72E8231CAD}" type="datetime4">
               <a:rPr lang="en-US" smtClean="0"/>
               <a:pPr/>
-              <a:t>June 22, 2015</a:t>
+              <a:t>June 24, 2015</a:t>
             </a:fld>
             <a:endParaRPr lang="en-US"/>
           </a:p>
@@ -628,6 +634,9 @@
   <p:clrMapOvr>
     <a:masterClrMapping/>
   </p:clrMapOvr>
+  <p:transition xmlns:p14="http://schemas.microsoft.com/office/powerpoint/2010/main" spd="slow">
+    <p:push dir="u"/>
+  </p:transition>
 </p:sldLayout>
 </file>
 
@@ -751,7 +760,7 @@
             <a:fld id="{34A8E1CE-37F8-4102-8DF9-852A0A51F293}" type="datetime4">
               <a:rPr lang="en-US" smtClean="0"/>
               <a:pPr/>
-              <a:t>June 22, 2015</a:t>
+              <a:t>June 24, 2015</a:t>
             </a:fld>
             <a:endParaRPr lang="en-US"/>
           </a:p>
@@ -805,6 +814,9 @@
   <p:clrMapOvr>
     <a:masterClrMapping/>
   </p:clrMapOvr>
+  <p:transition xmlns:p14="http://schemas.microsoft.com/office/powerpoint/2010/main" spd="slow">
+    <p:push dir="u"/>
+  </p:transition>
 </p:sldLayout>
 </file>
 
@@ -918,7 +930,7 @@
             <a:fld id="{93333F43-3E86-47E4-BFBB-2476D384E1C6}" type="datetime4">
               <a:rPr lang="en-US" smtClean="0"/>
               <a:pPr/>
-              <a:t>June 22, 2015</a:t>
+              <a:t>June 24, 2015</a:t>
             </a:fld>
             <a:endParaRPr lang="en-US"/>
           </a:p>
@@ -972,6 +984,9 @@
   <p:clrMapOvr>
     <a:masterClrMapping/>
   </p:clrMapOvr>
+  <p:transition xmlns:p14="http://schemas.microsoft.com/office/powerpoint/2010/main" spd="slow">
+    <p:push dir="u"/>
+  </p:transition>
 </p:sldLayout>
 </file>
 
@@ -1169,7 +1184,7 @@
             <a:fld id="{751663BA-01FC-4367-B6F3-ABB2645D55F1}" type="datetime4">
               <a:rPr lang="en-US" smtClean="0"/>
               <a:pPr/>
-              <a:t>June 22, 2015</a:t>
+              <a:t>June 24, 2015</a:t>
             </a:fld>
             <a:endParaRPr lang="en-US" dirty="0"/>
           </a:p>
@@ -1223,6 +1238,9 @@
   <p:clrMapOvr>
     <a:masterClrMapping/>
   </p:clrMapOvr>
+  <p:transition xmlns:p14="http://schemas.microsoft.com/office/powerpoint/2010/main" spd="slow">
+    <p:push dir="u"/>
+  </p:transition>
 </p:sldLayout>
 </file>
 
@@ -1454,7 +1472,7 @@
             <a:fld id="{79B19C71-EC74-44AF-B27E-FC7DC3C3A61D}" type="datetime4">
               <a:rPr lang="en-US" smtClean="0"/>
               <a:pPr/>
-              <a:t>June 22, 2015</a:t>
+              <a:t>June 24, 2015</a:t>
             </a:fld>
             <a:endParaRPr lang="en-US"/>
           </a:p>
@@ -1508,6 +1526,9 @@
   <p:clrMapOvr>
     <a:masterClrMapping/>
   </p:clrMapOvr>
+  <p:transition xmlns:p14="http://schemas.microsoft.com/office/powerpoint/2010/main" spd="slow">
+    <p:push dir="u"/>
+  </p:transition>
 </p:sldLayout>
 </file>
 
@@ -1895,7 +1916,7 @@
             <a:fld id="{6A5CDA29-3CBE-48EA-92AE-A996835462BA}" type="datetime4">
               <a:rPr lang="en-US" smtClean="0"/>
               <a:pPr/>
-              <a:t>June 22, 2015</a:t>
+              <a:t>June 24, 2015</a:t>
             </a:fld>
             <a:endParaRPr lang="en-US"/>
           </a:p>
@@ -1949,6 +1970,9 @@
   <p:clrMapOvr>
     <a:masterClrMapping/>
   </p:clrMapOvr>
+  <p:transition xmlns:p14="http://schemas.microsoft.com/office/powerpoint/2010/main" spd="slow">
+    <p:push dir="u"/>
+  </p:transition>
 </p:sldLayout>
 </file>
 
@@ -2010,7 +2034,7 @@
             <a:fld id="{E29EC054-3869-4501-B163-1BBFDE8DCE04}" type="datetime4">
               <a:rPr lang="en-US" smtClean="0"/>
               <a:pPr/>
-              <a:t>June 22, 2015</a:t>
+              <a:t>June 24, 2015</a:t>
             </a:fld>
             <a:endParaRPr lang="en-US"/>
           </a:p>
@@ -2064,6 +2088,9 @@
   <p:clrMapOvr>
     <a:masterClrMapping/>
   </p:clrMapOvr>
+  <p:transition xmlns:p14="http://schemas.microsoft.com/office/powerpoint/2010/main" spd="slow">
+    <p:push dir="u"/>
+  </p:transition>
 </p:sldLayout>
 </file>
 
@@ -2102,7 +2129,7 @@
             <a:fld id="{0A63D831-56C1-49CF-8EF7-8B9A98402BCD}" type="datetime4">
               <a:rPr lang="en-US" smtClean="0"/>
               <a:pPr/>
-              <a:t>June 22, 2015</a:t>
+              <a:t>June 24, 2015</a:t>
             </a:fld>
             <a:endParaRPr lang="en-US"/>
           </a:p>
@@ -2156,6 +2183,9 @@
   <p:clrMapOvr>
     <a:masterClrMapping/>
   </p:clrMapOvr>
+  <p:transition xmlns:p14="http://schemas.microsoft.com/office/powerpoint/2010/main" spd="slow">
+    <p:push dir="u"/>
+  </p:transition>
 </p:sldLayout>
 </file>
 
@@ -2346,7 +2376,7 @@
             <a:fld id="{6EAD5615-7F4F-4584-84D5-CC95918C321F}" type="datetime4">
               <a:rPr lang="en-US" smtClean="0"/>
               <a:pPr/>
-              <a:t>June 22, 2015</a:t>
+              <a:t>June 24, 2015</a:t>
             </a:fld>
             <a:endParaRPr lang="en-US"/>
           </a:p>
@@ -2423,6 +2453,9 @@
   <p:clrMapOvr>
     <a:masterClrMapping/>
   </p:clrMapOvr>
+  <p:transition xmlns:p14="http://schemas.microsoft.com/office/powerpoint/2010/main" spd="slow">
+    <p:push dir="u"/>
+  </p:transition>
 </p:sldLayout>
 </file>
 
@@ -2642,7 +2675,7 @@
             <a:fld id="{76EEA923-9BEE-48CE-9F28-5B525F399BAD}" type="datetime4">
               <a:rPr lang="en-US" smtClean="0"/>
               <a:pPr/>
-              <a:t>June 22, 2015</a:t>
+              <a:t>June 24, 2015</a:t>
             </a:fld>
             <a:endParaRPr lang="en-US"/>
           </a:p>
@@ -2784,6 +2817,9 @@
   <p:clrMapOvr>
     <a:masterClrMapping/>
   </p:clrMapOvr>
+  <p:transition xmlns:p14="http://schemas.microsoft.com/office/powerpoint/2010/main" spd="slow">
+    <p:push dir="u"/>
+  </p:transition>
 </p:sldLayout>
 </file>
 
@@ -2938,7 +2974,7 @@
             <a:fld id="{17D0EFEE-2756-4A20-BF2A-63F0A94F99AC}" type="datetime4">
               <a:rPr lang="en-US" smtClean="0"/>
               <a:pPr/>
-              <a:t>June 22, 2015</a:t>
+              <a:t>June 24, 2015</a:t>
             </a:fld>
             <a:endParaRPr lang="en-US" dirty="0"/>
           </a:p>
@@ -3127,6 +3163,9 @@
     <p:sldLayoutId id="2147483922" r:id="rId10"/>
     <p:sldLayoutId id="2147483923" r:id="rId11"/>
   </p:sldLayoutIdLst>
+  <p:transition xmlns:p14="http://schemas.microsoft.com/office/powerpoint/2010/main" spd="slow">
+    <p:push dir="u"/>
+  </p:transition>
   <p:hf sldNum="0" hdr="0" ftr="0" dt="0"/>
   <p:txStyles>
     <p:titleStyle>
@@ -3465,11 +3504,7 @@
           <a:p>
             <a:r>
               <a:rPr lang="pt-BR" dirty="0" smtClean="0"/>
-              <a:t>NICOLAS GENTIL, N</a:t>
-            </a:r>
-            <a:r>
-              <a:rPr lang="pt-BR" dirty="0" smtClean="0"/>
-              <a:t>ÍCOLAS FONTEYNE, GABRIEL OLANDA, FELIPE GIARDINI</a:t>
+              <a:t>NICOLAS GENTIL, NÍCOLAS FONTEYNE, GABRIEL OLANDA, FELIPE GIARDINI</a:t>
             </a:r>
             <a:endParaRPr lang="pt-BR" dirty="0"/>
           </a:p>
@@ -3485,6 +3520,9 @@
   <p:clrMapOvr>
     <a:masterClrMapping/>
   </p:clrMapOvr>
+  <p:transition xmlns:p14="http://schemas.microsoft.com/office/powerpoint/2010/main" spd="slow">
+    <p:push dir="u"/>
+  </p:transition>
   <p:timing>
     <p:tnLst>
       <p:par>
@@ -3495,7 +3533,565 @@
 </p:sld>
 </file>
 
+<file path=ppt/slides/slide10.xml><?xml version="1.0" encoding="utf-8"?>
+<p:sld xmlns:a="http://schemas.openxmlformats.org/drawingml/2006/main" xmlns:r="http://schemas.openxmlformats.org/officeDocument/2006/relationships" xmlns:p="http://schemas.openxmlformats.org/presentationml/2006/main">
+  <p:cSld>
+    <p:spTree>
+      <p:nvGrpSpPr>
+        <p:cNvPr id="1" name=""/>
+        <p:cNvGrpSpPr/>
+        <p:nvPr/>
+      </p:nvGrpSpPr>
+      <p:grpSpPr>
+        <a:xfrm>
+          <a:off x="0" y="0"/>
+          <a:ext cx="0" cy="0"/>
+          <a:chOff x="0" y="0"/>
+          <a:chExt cx="0" cy="0"/>
+        </a:xfrm>
+      </p:grpSpPr>
+      <p:sp>
+        <p:nvSpPr>
+          <p:cNvPr id="2" name="Title 1"/>
+          <p:cNvSpPr>
+            <a:spLocks noGrp="1"/>
+          </p:cNvSpPr>
+          <p:nvPr>
+            <p:ph type="title"/>
+          </p:nvPr>
+        </p:nvSpPr>
+        <p:spPr>
+          <a:xfrm>
+            <a:off x="3081867" y="2593940"/>
+            <a:ext cx="2929467" cy="1371600"/>
+          </a:xfrm>
+        </p:spPr>
+        <p:txBody>
+          <a:bodyPr>
+            <a:noAutofit/>
+          </a:bodyPr>
+          <a:lstStyle/>
+          <a:p>
+            <a:pPr algn="ctr"/>
+            <a:r>
+              <a:rPr lang="pt-BR" sz="8800" dirty="0" smtClean="0"/>
+              <a:t>fim</a:t>
+            </a:r>
+            <a:endParaRPr lang="pt-BR" sz="8800" dirty="0"/>
+          </a:p>
+        </p:txBody>
+      </p:sp>
+    </p:spTree>
+    <p:extLst>
+      <p:ext uri="{BB962C8B-B14F-4D97-AF65-F5344CB8AC3E}">
+        <p14:creationId xmlns:p14="http://schemas.microsoft.com/office/powerpoint/2010/main" val="1892258855"/>
+      </p:ext>
+    </p:extLst>
+  </p:cSld>
+  <p:clrMapOvr>
+    <a:masterClrMapping/>
+  </p:clrMapOvr>
+  <p:transition xmlns:p14="http://schemas.microsoft.com/office/powerpoint/2010/main" spd="slow">
+    <p:push dir="u"/>
+  </p:transition>
+  <p:timing>
+    <p:tnLst>
+      <p:par>
+        <p:cTn xmlns:p14="http://schemas.microsoft.com/office/powerpoint/2010/main" id="1" dur="indefinite" restart="never" nodeType="tmRoot">
+          <p:childTnLst>
+            <p:seq concurrent="1" nextAc="seek">
+              <p:cTn id="2" dur="indefinite" nodeType="mainSeq">
+                <p:childTnLst>
+                  <p:par>
+                    <p:cTn id="3" fill="hold">
+                      <p:stCondLst>
+                        <p:cond delay="indefinite"/>
+                        <p:cond evt="onBegin" delay="0">
+                          <p:tn val="2"/>
+                        </p:cond>
+                      </p:stCondLst>
+                      <p:childTnLst>
+                        <p:par>
+                          <p:cTn id="4" fill="hold">
+                            <p:stCondLst>
+                              <p:cond delay="0"/>
+                            </p:stCondLst>
+                            <p:childTnLst>
+                              <p:par>
+                                <p:cTn id="5" presetID="12" presetClass="entr" presetSubtype="4" fill="hold" grpId="0" nodeType="afterEffect">
+                                  <p:stCondLst>
+                                    <p:cond delay="0"/>
+                                  </p:stCondLst>
+                                  <p:childTnLst>
+                                    <p:set>
+                                      <p:cBhvr>
+                                        <p:cTn id="6" dur="1" fill="hold">
+                                          <p:stCondLst>
+                                            <p:cond delay="0"/>
+                                          </p:stCondLst>
+                                        </p:cTn>
+                                        <p:tgtEl>
+                                          <p:spTgt spid="2"/>
+                                        </p:tgtEl>
+                                        <p:attrNameLst>
+                                          <p:attrName>style.visibility</p:attrName>
+                                        </p:attrNameLst>
+                                      </p:cBhvr>
+                                      <p:to>
+                                        <p:strVal val="visible"/>
+                                      </p:to>
+                                    </p:set>
+                                    <p:anim calcmode="lin" valueType="num">
+                                      <p:cBhvr additive="base">
+                                        <p:cTn id="7" dur="500"/>
+                                        <p:tgtEl>
+                                          <p:spTgt spid="2"/>
+                                        </p:tgtEl>
+                                        <p:attrNameLst>
+                                          <p:attrName>ppt_y</p:attrName>
+                                        </p:attrNameLst>
+                                      </p:cBhvr>
+                                      <p:tavLst>
+                                        <p:tav tm="0">
+                                          <p:val>
+                                            <p:strVal val="#ppt_y+#ppt_h*1.125000"/>
+                                          </p:val>
+                                        </p:tav>
+                                        <p:tav tm="100000">
+                                          <p:val>
+                                            <p:strVal val="#ppt_y"/>
+                                          </p:val>
+                                        </p:tav>
+                                      </p:tavLst>
+                                    </p:anim>
+                                    <p:animEffect transition="in" filter="wipe(up)">
+                                      <p:cBhvr>
+                                        <p:cTn id="8" dur="500"/>
+                                        <p:tgtEl>
+                                          <p:spTgt spid="2"/>
+                                        </p:tgtEl>
+                                      </p:cBhvr>
+                                    </p:animEffect>
+                                  </p:childTnLst>
+                                </p:cTn>
+                              </p:par>
+                            </p:childTnLst>
+                          </p:cTn>
+                        </p:par>
+                      </p:childTnLst>
+                    </p:cTn>
+                  </p:par>
+                  <p:par>
+                    <p:cTn id="9" fill="hold">
+                      <p:stCondLst>
+                        <p:cond delay="indefinite"/>
+                      </p:stCondLst>
+                      <p:childTnLst>
+                        <p:par>
+                          <p:cTn id="10" fill="hold">
+                            <p:stCondLst>
+                              <p:cond delay="0"/>
+                            </p:stCondLst>
+                            <p:childTnLst>
+                              <p:par>
+                                <p:cTn id="11" presetID="12" presetClass="exit" presetSubtype="4" fill="hold" grpId="1" nodeType="clickEffect">
+                                  <p:stCondLst>
+                                    <p:cond delay="0"/>
+                                  </p:stCondLst>
+                                  <p:childTnLst>
+                                    <p:anim calcmode="lin" valueType="num">
+                                      <p:cBhvr additive="base">
+                                        <p:cTn id="12" dur="500"/>
+                                        <p:tgtEl>
+                                          <p:spTgt spid="2"/>
+                                        </p:tgtEl>
+                                        <p:attrNameLst>
+                                          <p:attrName>ppt_y</p:attrName>
+                                        </p:attrNameLst>
+                                      </p:cBhvr>
+                                      <p:tavLst>
+                                        <p:tav tm="0">
+                                          <p:val>
+                                            <p:strVal val="#ppt_y"/>
+                                          </p:val>
+                                        </p:tav>
+                                        <p:tav tm="100000">
+                                          <p:val>
+                                            <p:strVal val="#ppt_y+#ppt_h*1.125000"/>
+                                          </p:val>
+                                        </p:tav>
+                                      </p:tavLst>
+                                    </p:anim>
+                                    <p:animEffect transition="out" filter="wipe(down)">
+                                      <p:cBhvr>
+                                        <p:cTn id="13" dur="500"/>
+                                        <p:tgtEl>
+                                          <p:spTgt spid="2"/>
+                                        </p:tgtEl>
+                                      </p:cBhvr>
+                                    </p:animEffect>
+                                    <p:set>
+                                      <p:cBhvr>
+                                        <p:cTn id="14" dur="1" fill="hold">
+                                          <p:stCondLst>
+                                            <p:cond delay="499"/>
+                                          </p:stCondLst>
+                                        </p:cTn>
+                                        <p:tgtEl>
+                                          <p:spTgt spid="2"/>
+                                        </p:tgtEl>
+                                        <p:attrNameLst>
+                                          <p:attrName>style.visibility</p:attrName>
+                                        </p:attrNameLst>
+                                      </p:cBhvr>
+                                      <p:to>
+                                        <p:strVal val="hidden"/>
+                                      </p:to>
+                                    </p:set>
+                                  </p:childTnLst>
+                                </p:cTn>
+                              </p:par>
+                            </p:childTnLst>
+                          </p:cTn>
+                        </p:par>
+                      </p:childTnLst>
+                    </p:cTn>
+                  </p:par>
+                </p:childTnLst>
+              </p:cTn>
+              <p:prevCondLst>
+                <p:cond evt="onPrev" delay="0">
+                  <p:tgtEl>
+                    <p:sldTgt/>
+                  </p:tgtEl>
+                </p:cond>
+              </p:prevCondLst>
+              <p:nextCondLst>
+                <p:cond evt="onNext" delay="0">
+                  <p:tgtEl>
+                    <p:sldTgt/>
+                  </p:tgtEl>
+                </p:cond>
+              </p:nextCondLst>
+            </p:seq>
+          </p:childTnLst>
+        </p:cTn>
+      </p:par>
+    </p:tnLst>
+    <p:bldLst>
+      <p:bldP spid="2" grpId="0"/>
+      <p:bldP spid="2" grpId="1"/>
+    </p:bldLst>
+  </p:timing>
+</p:sld>
+</file>
+
 <file path=ppt/slides/slide2.xml><?xml version="1.0" encoding="utf-8"?>
+<p:sld xmlns:a="http://schemas.openxmlformats.org/drawingml/2006/main" xmlns:r="http://schemas.openxmlformats.org/officeDocument/2006/relationships" xmlns:p="http://schemas.openxmlformats.org/presentationml/2006/main">
+  <p:cSld>
+    <p:spTree>
+      <p:nvGrpSpPr>
+        <p:cNvPr id="1" name=""/>
+        <p:cNvGrpSpPr/>
+        <p:nvPr/>
+      </p:nvGrpSpPr>
+      <p:grpSpPr>
+        <a:xfrm>
+          <a:off x="0" y="0"/>
+          <a:ext cx="0" cy="0"/>
+          <a:chOff x="0" y="0"/>
+          <a:chExt cx="0" cy="0"/>
+        </a:xfrm>
+      </p:grpSpPr>
+      <p:sp>
+        <p:nvSpPr>
+          <p:cNvPr id="2" name="Title 1"/>
+          <p:cNvSpPr>
+            <a:spLocks noGrp="1"/>
+          </p:cNvSpPr>
+          <p:nvPr>
+            <p:ph type="title"/>
+          </p:nvPr>
+        </p:nvSpPr>
+        <p:spPr/>
+        <p:txBody>
+          <a:bodyPr/>
+          <a:lstStyle/>
+          <a:p>
+            <a:r>
+              <a:rPr lang="pt-BR" dirty="0" smtClean="0"/>
+              <a:t>Usu</a:t>
+            </a:r>
+            <a:r>
+              <a:rPr lang="pt-BR" dirty="0" smtClean="0"/>
+              <a:t>ário alvo</a:t>
+            </a:r>
+            <a:endParaRPr lang="pt-BR" dirty="0"/>
+          </a:p>
+        </p:txBody>
+      </p:sp>
+      <p:pic>
+        <p:nvPicPr>
+          <p:cNvPr id="4" name="Picture 3" descr="alvo.png"/>
+          <p:cNvPicPr>
+            <a:picLocks noChangeAspect="1"/>
+          </p:cNvPicPr>
+          <p:nvPr/>
+        </p:nvPicPr>
+        <p:blipFill>
+          <a:blip r:embed="rId2">
+            <a:extLst>
+              <a:ext uri="{28A0092B-C50C-407E-A947-70E740481C1C}">
+                <a14:useLocalDpi xmlns:a14="http://schemas.microsoft.com/office/drawing/2010/main" val="0"/>
+              </a:ext>
+            </a:extLst>
+          </a:blip>
+          <a:stretch>
+            <a:fillRect/>
+          </a:stretch>
+        </p:blipFill>
+        <p:spPr>
+          <a:xfrm>
+            <a:off x="296333" y="2539999"/>
+            <a:ext cx="8437784" cy="3523703"/>
+          </a:xfrm>
+          <a:prstGeom prst="rect">
+            <a:avLst/>
+          </a:prstGeom>
+        </p:spPr>
+      </p:pic>
+    </p:spTree>
+    <p:extLst>
+      <p:ext uri="{BB962C8B-B14F-4D97-AF65-F5344CB8AC3E}">
+        <p14:creationId xmlns:p14="http://schemas.microsoft.com/office/powerpoint/2010/main" val="3327728433"/>
+      </p:ext>
+    </p:extLst>
+  </p:cSld>
+  <p:clrMapOvr>
+    <a:masterClrMapping/>
+  </p:clrMapOvr>
+  <p:transition xmlns:p14="http://schemas.microsoft.com/office/powerpoint/2010/main" spd="slow">
+    <p:push dir="u"/>
+  </p:transition>
+  <p:timing>
+    <p:tnLst>
+      <p:par>
+        <p:cTn xmlns:p14="http://schemas.microsoft.com/office/powerpoint/2010/main" id="1" dur="indefinite" restart="never" nodeType="tmRoot">
+          <p:childTnLst>
+            <p:seq concurrent="1" nextAc="seek">
+              <p:cTn id="2" dur="indefinite" nodeType="mainSeq">
+                <p:childTnLst>
+                  <p:par>
+                    <p:cTn id="3" fill="hold">
+                      <p:stCondLst>
+                        <p:cond delay="indefinite"/>
+                        <p:cond evt="onBegin" delay="0">
+                          <p:tn val="2"/>
+                        </p:cond>
+                      </p:stCondLst>
+                      <p:childTnLst>
+                        <p:par>
+                          <p:cTn id="4" fill="hold">
+                            <p:stCondLst>
+                              <p:cond delay="0"/>
+                            </p:stCondLst>
+                            <p:childTnLst>
+                              <p:par>
+                                <p:cTn id="5" presetID="2" presetClass="entr" presetSubtype="4" accel="50000" decel="50000" fill="hold" nodeType="afterEffect">
+                                  <p:stCondLst>
+                                    <p:cond delay="0"/>
+                                  </p:stCondLst>
+                                  <p:childTnLst>
+                                    <p:set>
+                                      <p:cBhvr>
+                                        <p:cTn id="6" dur="1" fill="hold">
+                                          <p:stCondLst>
+                                            <p:cond delay="0"/>
+                                          </p:stCondLst>
+                                        </p:cTn>
+                                        <p:tgtEl>
+                                          <p:spTgt spid="4"/>
+                                        </p:tgtEl>
+                                        <p:attrNameLst>
+                                          <p:attrName>style.visibility</p:attrName>
+                                        </p:attrNameLst>
+                                      </p:cBhvr>
+                                      <p:to>
+                                        <p:strVal val="visible"/>
+                                      </p:to>
+                                    </p:set>
+                                    <p:anim calcmode="lin" valueType="num">
+                                      <p:cBhvr additive="base">
+                                        <p:cTn id="7" dur="500" fill="hold"/>
+                                        <p:tgtEl>
+                                          <p:spTgt spid="4"/>
+                                        </p:tgtEl>
+                                        <p:attrNameLst>
+                                          <p:attrName>ppt_x</p:attrName>
+                                        </p:attrNameLst>
+                                      </p:cBhvr>
+                                      <p:tavLst>
+                                        <p:tav tm="0">
+                                          <p:val>
+                                            <p:strVal val="#ppt_x"/>
+                                          </p:val>
+                                        </p:tav>
+                                        <p:tav tm="100000">
+                                          <p:val>
+                                            <p:strVal val="#ppt_x"/>
+                                          </p:val>
+                                        </p:tav>
+                                      </p:tavLst>
+                                    </p:anim>
+                                    <p:anim calcmode="lin" valueType="num">
+                                      <p:cBhvr additive="base">
+                                        <p:cTn id="8" dur="500" fill="hold"/>
+                                        <p:tgtEl>
+                                          <p:spTgt spid="4"/>
+                                        </p:tgtEl>
+                                        <p:attrNameLst>
+                                          <p:attrName>ppt_y</p:attrName>
+                                        </p:attrNameLst>
+                                      </p:cBhvr>
+                                      <p:tavLst>
+                                        <p:tav tm="0">
+                                          <p:val>
+                                            <p:strVal val="1+#ppt_h/2"/>
+                                          </p:val>
+                                        </p:tav>
+                                        <p:tav tm="100000">
+                                          <p:val>
+                                            <p:strVal val="#ppt_y"/>
+                                          </p:val>
+                                        </p:tav>
+                                      </p:tavLst>
+                                    </p:anim>
+                                  </p:childTnLst>
+                                </p:cTn>
+                              </p:par>
+                            </p:childTnLst>
+                          </p:cTn>
+                        </p:par>
+                      </p:childTnLst>
+                    </p:cTn>
+                  </p:par>
+                  <p:par>
+                    <p:cTn id="9" fill="hold">
+                      <p:stCondLst>
+                        <p:cond delay="indefinite"/>
+                      </p:stCondLst>
+                      <p:childTnLst>
+                        <p:par>
+                          <p:cTn id="10" fill="hold">
+                            <p:stCondLst>
+                              <p:cond delay="0"/>
+                            </p:stCondLst>
+                            <p:childTnLst>
+                              <p:par>
+                                <p:cTn id="11" presetID="2" presetClass="exit" presetSubtype="4" accel="50000" decel="50000" fill="hold" nodeType="clickEffect">
+                                  <p:stCondLst>
+                                    <p:cond delay="0"/>
+                                  </p:stCondLst>
+                                  <p:childTnLst>
+                                    <p:anim calcmode="lin" valueType="num">
+                                      <p:cBhvr additive="base">
+                                        <p:cTn id="12" dur="500"/>
+                                        <p:tgtEl>
+                                          <p:spTgt spid="4"/>
+                                        </p:tgtEl>
+                                        <p:attrNameLst>
+                                          <p:attrName>ppt_x</p:attrName>
+                                        </p:attrNameLst>
+                                      </p:cBhvr>
+                                      <p:tavLst>
+                                        <p:tav tm="0">
+                                          <p:val>
+                                            <p:strVal val="ppt_x"/>
+                                          </p:val>
+                                        </p:tav>
+                                        <p:tav tm="100000">
+                                          <p:val>
+                                            <p:strVal val="ppt_x"/>
+                                          </p:val>
+                                        </p:tav>
+                                      </p:tavLst>
+                                    </p:anim>
+                                    <p:anim calcmode="lin" valueType="num">
+                                      <p:cBhvr additive="base">
+                                        <p:cTn id="13" dur="500"/>
+                                        <p:tgtEl>
+                                          <p:spTgt spid="4"/>
+                                        </p:tgtEl>
+                                        <p:attrNameLst>
+                                          <p:attrName>ppt_y</p:attrName>
+                                        </p:attrNameLst>
+                                      </p:cBhvr>
+                                      <p:tavLst>
+                                        <p:tav tm="0">
+                                          <p:val>
+                                            <p:strVal val="ppt_y"/>
+                                          </p:val>
+                                        </p:tav>
+                                        <p:tav tm="100000">
+                                          <p:val>
+                                            <p:strVal val="1+ppt_h/2"/>
+                                          </p:val>
+                                        </p:tav>
+                                      </p:tavLst>
+                                    </p:anim>
+                                    <p:set>
+                                      <p:cBhvr>
+                                        <p:cTn id="14" dur="1" fill="hold">
+                                          <p:stCondLst>
+                                            <p:cond delay="499"/>
+                                          </p:stCondLst>
+                                        </p:cTn>
+                                        <p:tgtEl>
+                                          <p:spTgt spid="4"/>
+                                        </p:tgtEl>
+                                        <p:attrNameLst>
+                                          <p:attrName>style.visibility</p:attrName>
+                                        </p:attrNameLst>
+                                      </p:cBhvr>
+                                      <p:to>
+                                        <p:strVal val="hidden"/>
+                                      </p:to>
+                                    </p:set>
+                                  </p:childTnLst>
+                                </p:cTn>
+                              </p:par>
+                            </p:childTnLst>
+                          </p:cTn>
+                        </p:par>
+                      </p:childTnLst>
+                    </p:cTn>
+                  </p:par>
+                </p:childTnLst>
+              </p:cTn>
+              <p:prevCondLst>
+                <p:cond evt="onPrev" delay="0">
+                  <p:tgtEl>
+                    <p:sldTgt/>
+                  </p:tgtEl>
+                </p:cond>
+              </p:prevCondLst>
+              <p:nextCondLst>
+                <p:cond evt="onNext" delay="0">
+                  <p:tgtEl>
+                    <p:sldTgt/>
+                  </p:tgtEl>
+                </p:cond>
+              </p:nextCondLst>
+            </p:seq>
+          </p:childTnLst>
+        </p:cTn>
+      </p:par>
+    </p:tnLst>
+  </p:timing>
+</p:sld>
+</file>
+
+<file path=ppt/slides/slide3.xml><?xml version="1.0" encoding="utf-8"?>
 <p:sld xmlns:a="http://schemas.openxmlformats.org/drawingml/2006/main" xmlns:r="http://schemas.openxmlformats.org/officeDocument/2006/relationships" xmlns:p="http://schemas.openxmlformats.org/presentationml/2006/main">
   <p:cSld>
     <p:spTree>
@@ -3598,97 +4194,240 @@
   <p:clrMapOvr>
     <a:masterClrMapping/>
   </p:clrMapOvr>
+  <p:transition xmlns:p14="http://schemas.microsoft.com/office/powerpoint/2010/main" spd="slow">
+    <p:push dir="u"/>
+  </p:transition>
   <p:timing>
     <p:tnLst>
       <p:par>
-        <p:cTn xmlns:p14="http://schemas.microsoft.com/office/powerpoint/2010/main" id="1" dur="indefinite" restart="never" nodeType="tmRoot"/>
+        <p:cTn xmlns:p14="http://schemas.microsoft.com/office/powerpoint/2010/main" id="1" dur="indefinite" restart="never" nodeType="tmRoot">
+          <p:childTnLst>
+            <p:seq concurrent="1" nextAc="seek">
+              <p:cTn id="2" dur="indefinite" nodeType="mainSeq">
+                <p:childTnLst>
+                  <p:par>
+                    <p:cTn id="3" fill="hold">
+                      <p:stCondLst>
+                        <p:cond delay="indefinite"/>
+                        <p:cond evt="onBegin" delay="0">
+                          <p:tn val="2"/>
+                        </p:cond>
+                      </p:stCondLst>
+                      <p:childTnLst>
+                        <p:par>
+                          <p:cTn id="4" fill="hold">
+                            <p:stCondLst>
+                              <p:cond delay="0"/>
+                            </p:stCondLst>
+                            <p:childTnLst>
+                              <p:par>
+                                <p:cTn id="5" presetID="53" presetClass="entr" presetSubtype="16" fill="hold" nodeType="afterEffect">
+                                  <p:stCondLst>
+                                    <p:cond delay="0"/>
+                                  </p:stCondLst>
+                                  <p:childTnLst>
+                                    <p:set>
+                                      <p:cBhvr>
+                                        <p:cTn id="6" dur="1" fill="hold">
+                                          <p:stCondLst>
+                                            <p:cond delay="0"/>
+                                          </p:stCondLst>
+                                        </p:cTn>
+                                        <p:tgtEl>
+                                          <p:spTgt spid="4"/>
+                                        </p:tgtEl>
+                                        <p:attrNameLst>
+                                          <p:attrName>style.visibility</p:attrName>
+                                        </p:attrNameLst>
+                                      </p:cBhvr>
+                                      <p:to>
+                                        <p:strVal val="visible"/>
+                                      </p:to>
+                                    </p:set>
+                                    <p:anim calcmode="lin" valueType="num">
+                                      <p:cBhvr>
+                                        <p:cTn id="7" dur="500" fill="hold"/>
+                                        <p:tgtEl>
+                                          <p:spTgt spid="4"/>
+                                        </p:tgtEl>
+                                        <p:attrNameLst>
+                                          <p:attrName>ppt_w</p:attrName>
+                                        </p:attrNameLst>
+                                      </p:cBhvr>
+                                      <p:tavLst>
+                                        <p:tav tm="0">
+                                          <p:val>
+                                            <p:fltVal val="0"/>
+                                          </p:val>
+                                        </p:tav>
+                                        <p:tav tm="100000">
+                                          <p:val>
+                                            <p:strVal val="#ppt_w"/>
+                                          </p:val>
+                                        </p:tav>
+                                      </p:tavLst>
+                                    </p:anim>
+                                    <p:anim calcmode="lin" valueType="num">
+                                      <p:cBhvr>
+                                        <p:cTn id="8" dur="500" fill="hold"/>
+                                        <p:tgtEl>
+                                          <p:spTgt spid="4"/>
+                                        </p:tgtEl>
+                                        <p:attrNameLst>
+                                          <p:attrName>ppt_h</p:attrName>
+                                        </p:attrNameLst>
+                                      </p:cBhvr>
+                                      <p:tavLst>
+                                        <p:tav tm="0">
+                                          <p:val>
+                                            <p:fltVal val="0"/>
+                                          </p:val>
+                                        </p:tav>
+                                        <p:tav tm="100000">
+                                          <p:val>
+                                            <p:strVal val="#ppt_h"/>
+                                          </p:val>
+                                        </p:tav>
+                                      </p:tavLst>
+                                    </p:anim>
+                                    <p:animEffect transition="in" filter="fade">
+                                      <p:cBhvr>
+                                        <p:cTn id="9" dur="500"/>
+                                        <p:tgtEl>
+                                          <p:spTgt spid="4"/>
+                                        </p:tgtEl>
+                                      </p:cBhvr>
+                                    </p:animEffect>
+                                  </p:childTnLst>
+                                </p:cTn>
+                              </p:par>
+                            </p:childTnLst>
+                          </p:cTn>
+                        </p:par>
+                      </p:childTnLst>
+                    </p:cTn>
+                  </p:par>
+                  <p:par>
+                    <p:cTn id="10" fill="hold">
+                      <p:stCondLst>
+                        <p:cond delay="indefinite"/>
+                      </p:stCondLst>
+                      <p:childTnLst>
+                        <p:par>
+                          <p:cTn id="11" fill="hold">
+                            <p:stCondLst>
+                              <p:cond delay="0"/>
+                            </p:stCondLst>
+                            <p:childTnLst>
+                              <p:par>
+                                <p:cTn id="12" presetID="53" presetClass="exit" presetSubtype="32" fill="hold" nodeType="clickEffect">
+                                  <p:stCondLst>
+                                    <p:cond delay="0"/>
+                                  </p:stCondLst>
+                                  <p:childTnLst>
+                                    <p:anim calcmode="lin" valueType="num">
+                                      <p:cBhvr>
+                                        <p:cTn id="13" dur="500"/>
+                                        <p:tgtEl>
+                                          <p:spTgt spid="4"/>
+                                        </p:tgtEl>
+                                        <p:attrNameLst>
+                                          <p:attrName>ppt_w</p:attrName>
+                                        </p:attrNameLst>
+                                      </p:cBhvr>
+                                      <p:tavLst>
+                                        <p:tav tm="0">
+                                          <p:val>
+                                            <p:strVal val="ppt_w"/>
+                                          </p:val>
+                                        </p:tav>
+                                        <p:tav tm="100000">
+                                          <p:val>
+                                            <p:fltVal val="0"/>
+                                          </p:val>
+                                        </p:tav>
+                                      </p:tavLst>
+                                    </p:anim>
+                                    <p:anim calcmode="lin" valueType="num">
+                                      <p:cBhvr>
+                                        <p:cTn id="14" dur="500"/>
+                                        <p:tgtEl>
+                                          <p:spTgt spid="4"/>
+                                        </p:tgtEl>
+                                        <p:attrNameLst>
+                                          <p:attrName>ppt_h</p:attrName>
+                                        </p:attrNameLst>
+                                      </p:cBhvr>
+                                      <p:tavLst>
+                                        <p:tav tm="0">
+                                          <p:val>
+                                            <p:strVal val="ppt_h"/>
+                                          </p:val>
+                                        </p:tav>
+                                        <p:tav tm="100000">
+                                          <p:val>
+                                            <p:fltVal val="0"/>
+                                          </p:val>
+                                        </p:tav>
+                                      </p:tavLst>
+                                    </p:anim>
+                                    <p:animEffect transition="out" filter="fade">
+                                      <p:cBhvr>
+                                        <p:cTn id="15" dur="500"/>
+                                        <p:tgtEl>
+                                          <p:spTgt spid="4"/>
+                                        </p:tgtEl>
+                                      </p:cBhvr>
+                                    </p:animEffect>
+                                    <p:set>
+                                      <p:cBhvr>
+                                        <p:cTn id="16" dur="1" fill="hold">
+                                          <p:stCondLst>
+                                            <p:cond delay="499"/>
+                                          </p:stCondLst>
+                                        </p:cTn>
+                                        <p:tgtEl>
+                                          <p:spTgt spid="4"/>
+                                        </p:tgtEl>
+                                        <p:attrNameLst>
+                                          <p:attrName>style.visibility</p:attrName>
+                                        </p:attrNameLst>
+                                      </p:cBhvr>
+                                      <p:to>
+                                        <p:strVal val="hidden"/>
+                                      </p:to>
+                                    </p:set>
+                                  </p:childTnLst>
+                                </p:cTn>
+                              </p:par>
+                            </p:childTnLst>
+                          </p:cTn>
+                        </p:par>
+                      </p:childTnLst>
+                    </p:cTn>
+                  </p:par>
+                </p:childTnLst>
+              </p:cTn>
+              <p:prevCondLst>
+                <p:cond evt="onPrev" delay="0">
+                  <p:tgtEl>
+                    <p:sldTgt/>
+                  </p:tgtEl>
+                </p:cond>
+              </p:prevCondLst>
+              <p:nextCondLst>
+                <p:cond evt="onNext" delay="0">
+                  <p:tgtEl>
+                    <p:sldTgt/>
+                  </p:tgtEl>
+                </p:cond>
+              </p:nextCondLst>
+            </p:seq>
+          </p:childTnLst>
+        </p:cTn>
       </p:par>
     </p:tnLst>
   </p:timing>
-</p:sld>
-</file>
-
-<file path=ppt/slides/slide3.xml><?xml version="1.0" encoding="utf-8"?>
-<p:sld xmlns:a="http://schemas.openxmlformats.org/drawingml/2006/main" xmlns:r="http://schemas.openxmlformats.org/officeDocument/2006/relationships" xmlns:p="http://schemas.openxmlformats.org/presentationml/2006/main">
-  <p:cSld>
-    <p:spTree>
-      <p:nvGrpSpPr>
-        <p:cNvPr id="1" name=""/>
-        <p:cNvGrpSpPr/>
-        <p:nvPr/>
-      </p:nvGrpSpPr>
-      <p:grpSpPr>
-        <a:xfrm>
-          <a:off x="0" y="0"/>
-          <a:ext cx="0" cy="0"/>
-          <a:chOff x="0" y="0"/>
-          <a:chExt cx="0" cy="0"/>
-        </a:xfrm>
-      </p:grpSpPr>
-      <p:sp>
-        <p:nvSpPr>
-          <p:cNvPr id="2" name="Title 1"/>
-          <p:cNvSpPr>
-            <a:spLocks noGrp="1"/>
-          </p:cNvSpPr>
-          <p:nvPr>
-            <p:ph type="title"/>
-          </p:nvPr>
-        </p:nvSpPr>
-        <p:spPr/>
-        <p:txBody>
-          <a:bodyPr/>
-          <a:lstStyle/>
-          <a:p>
-            <a:r>
-              <a:rPr lang="pt-BR" dirty="0" smtClean="0"/>
-              <a:t>O </a:t>
-            </a:r>
-            <a:r>
-              <a:rPr lang="pt-BR" dirty="0" err="1" smtClean="0"/>
-              <a:t>app</a:t>
-            </a:r>
-            <a:endParaRPr lang="pt-BR" dirty="0"/>
-          </a:p>
-        </p:txBody>
-      </p:sp>
-      <p:sp>
-        <p:nvSpPr>
-          <p:cNvPr id="3" name="Content Placeholder 2"/>
-          <p:cNvSpPr>
-            <a:spLocks noGrp="1"/>
-          </p:cNvSpPr>
-          <p:nvPr>
-            <p:ph idx="1"/>
-          </p:nvPr>
-        </p:nvSpPr>
-        <p:spPr/>
-        <p:txBody>
-          <a:bodyPr/>
-          <a:lstStyle/>
-          <a:p>
-            <a:r>
-              <a:rPr lang="pt-BR" dirty="0" smtClean="0"/>
-              <a:t>Tela de </a:t>
-            </a:r>
-            <a:r>
-              <a:rPr lang="pt-BR" dirty="0" err="1" smtClean="0"/>
-              <a:t>login</a:t>
-            </a:r>
-            <a:endParaRPr lang="pt-BR" dirty="0"/>
-          </a:p>
-        </p:txBody>
-      </p:sp>
-    </p:spTree>
-    <p:extLst>
-      <p:ext uri="{BB962C8B-B14F-4D97-AF65-F5344CB8AC3E}">
-        <p14:creationId xmlns:p14="http://schemas.microsoft.com/office/powerpoint/2010/main" val="1950224785"/>
-      </p:ext>
-    </p:extLst>
-  </p:cSld>
-  <p:clrMapOvr>
-    <a:masterClrMapping/>
-  </p:clrMapOvr>
 </p:sld>
 </file>
 
@@ -3726,45 +4465,386 @@
           <a:p>
             <a:r>
               <a:rPr lang="pt-BR" dirty="0" smtClean="0"/>
-              <a:t>mapa</a:t>
+              <a:t>O </a:t>
+            </a:r>
+            <a:r>
+              <a:rPr lang="pt-BR" dirty="0" err="1" smtClean="0"/>
+              <a:t>app</a:t>
             </a:r>
             <a:endParaRPr lang="pt-BR" dirty="0"/>
           </a:p>
         </p:txBody>
       </p:sp>
-      <p:sp>
-        <p:nvSpPr>
-          <p:cNvPr id="3" name="Content Placeholder 2"/>
-          <p:cNvSpPr>
-            <a:spLocks noGrp="1"/>
-          </p:cNvSpPr>
-          <p:nvPr>
-            <p:ph idx="1"/>
-          </p:nvPr>
-        </p:nvSpPr>
-        <p:spPr/>
-        <p:txBody>
-          <a:bodyPr/>
-          <a:lstStyle/>
-          <a:p>
-            <a:r>
-              <a:rPr lang="pt-BR" dirty="0" smtClean="0"/>
-              <a:t>Tela do mapa</a:t>
-            </a:r>
-            <a:endParaRPr lang="pt-BR" dirty="0"/>
-          </a:p>
-        </p:txBody>
-      </p:sp>
+      <p:pic>
+        <p:nvPicPr>
+          <p:cNvPr id="7" name="Picture 6" descr="Usuário.png"/>
+          <p:cNvPicPr>
+            <a:picLocks noChangeAspect="1"/>
+          </p:cNvPicPr>
+          <p:nvPr/>
+        </p:nvPicPr>
+        <p:blipFill>
+          <a:blip r:embed="rId2">
+            <a:extLst>
+              <a:ext uri="{28A0092B-C50C-407E-A947-70E740481C1C}">
+                <a14:useLocalDpi xmlns:a14="http://schemas.microsoft.com/office/drawing/2010/main" val="0"/>
+              </a:ext>
+            </a:extLst>
+          </a:blip>
+          <a:stretch>
+            <a:fillRect/>
+          </a:stretch>
+        </p:blipFill>
+        <p:spPr>
+          <a:xfrm>
+            <a:off x="4183491" y="0"/>
+            <a:ext cx="4122295" cy="6858000"/>
+          </a:xfrm>
+          <a:prstGeom prst="rect">
+            <a:avLst/>
+          </a:prstGeom>
+        </p:spPr>
+      </p:pic>
+      <p:pic>
+        <p:nvPicPr>
+          <p:cNvPr id="8" name="Picture 7" descr="Usuário inválido.png"/>
+          <p:cNvPicPr>
+            <a:picLocks noChangeAspect="1"/>
+          </p:cNvPicPr>
+          <p:nvPr/>
+        </p:nvPicPr>
+        <p:blipFill>
+          <a:blip r:embed="rId3">
+            <a:extLst>
+              <a:ext uri="{28A0092B-C50C-407E-A947-70E740481C1C}">
+                <a14:useLocalDpi xmlns:a14="http://schemas.microsoft.com/office/drawing/2010/main" val="0"/>
+              </a:ext>
+            </a:extLst>
+          </a:blip>
+          <a:stretch>
+            <a:fillRect/>
+          </a:stretch>
+        </p:blipFill>
+        <p:spPr>
+          <a:xfrm>
+            <a:off x="4183491" y="0"/>
+            <a:ext cx="4129818" cy="6858000"/>
+          </a:xfrm>
+          <a:prstGeom prst="rect">
+            <a:avLst/>
+          </a:prstGeom>
+        </p:spPr>
+      </p:pic>
     </p:spTree>
     <p:extLst>
       <p:ext uri="{BB962C8B-B14F-4D97-AF65-F5344CB8AC3E}">
-        <p14:creationId xmlns:p14="http://schemas.microsoft.com/office/powerpoint/2010/main" val="566967900"/>
+        <p14:creationId xmlns:p14="http://schemas.microsoft.com/office/powerpoint/2010/main" val="1950224785"/>
       </p:ext>
     </p:extLst>
   </p:cSld>
   <p:clrMapOvr>
     <a:masterClrMapping/>
   </p:clrMapOvr>
+  <p:transition xmlns:p14="http://schemas.microsoft.com/office/powerpoint/2010/main" spd="slow">
+    <p:push dir="u"/>
+  </p:transition>
+  <p:timing>
+    <p:tnLst>
+      <p:par>
+        <p:cTn xmlns:p14="http://schemas.microsoft.com/office/powerpoint/2010/main" id="1" dur="indefinite" restart="never" nodeType="tmRoot">
+          <p:childTnLst>
+            <p:seq concurrent="1" nextAc="seek">
+              <p:cTn id="2" dur="indefinite" nodeType="mainSeq">
+                <p:childTnLst>
+                  <p:par>
+                    <p:cTn id="3" fill="hold">
+                      <p:stCondLst>
+                        <p:cond delay="indefinite"/>
+                        <p:cond evt="onBegin" delay="0">
+                          <p:tn val="2"/>
+                        </p:cond>
+                      </p:stCondLst>
+                      <p:childTnLst>
+                        <p:par>
+                          <p:cTn id="4" fill="hold">
+                            <p:stCondLst>
+                              <p:cond delay="0"/>
+                            </p:stCondLst>
+                            <p:childTnLst>
+                              <p:par>
+                                <p:cTn id="5" presetID="2" presetClass="entr" presetSubtype="4" accel="50000" decel="50000" fill="hold" nodeType="afterEffect">
+                                  <p:stCondLst>
+                                    <p:cond delay="0"/>
+                                  </p:stCondLst>
+                                  <p:childTnLst>
+                                    <p:set>
+                                      <p:cBhvr>
+                                        <p:cTn id="6" dur="1" fill="hold">
+                                          <p:stCondLst>
+                                            <p:cond delay="0"/>
+                                          </p:stCondLst>
+                                        </p:cTn>
+                                        <p:tgtEl>
+                                          <p:spTgt spid="8"/>
+                                        </p:tgtEl>
+                                        <p:attrNameLst>
+                                          <p:attrName>style.visibility</p:attrName>
+                                        </p:attrNameLst>
+                                      </p:cBhvr>
+                                      <p:to>
+                                        <p:strVal val="visible"/>
+                                      </p:to>
+                                    </p:set>
+                                    <p:anim calcmode="lin" valueType="num">
+                                      <p:cBhvr additive="base">
+                                        <p:cTn id="7" dur="500" fill="hold"/>
+                                        <p:tgtEl>
+                                          <p:spTgt spid="8"/>
+                                        </p:tgtEl>
+                                        <p:attrNameLst>
+                                          <p:attrName>ppt_x</p:attrName>
+                                        </p:attrNameLst>
+                                      </p:cBhvr>
+                                      <p:tavLst>
+                                        <p:tav tm="0">
+                                          <p:val>
+                                            <p:strVal val="#ppt_x"/>
+                                          </p:val>
+                                        </p:tav>
+                                        <p:tav tm="100000">
+                                          <p:val>
+                                            <p:strVal val="#ppt_x"/>
+                                          </p:val>
+                                        </p:tav>
+                                      </p:tavLst>
+                                    </p:anim>
+                                    <p:anim calcmode="lin" valueType="num">
+                                      <p:cBhvr additive="base">
+                                        <p:cTn id="8" dur="500" fill="hold"/>
+                                        <p:tgtEl>
+                                          <p:spTgt spid="8"/>
+                                        </p:tgtEl>
+                                        <p:attrNameLst>
+                                          <p:attrName>ppt_y</p:attrName>
+                                        </p:attrNameLst>
+                                      </p:cBhvr>
+                                      <p:tavLst>
+                                        <p:tav tm="0">
+                                          <p:val>
+                                            <p:strVal val="1+#ppt_h/2"/>
+                                          </p:val>
+                                        </p:tav>
+                                        <p:tav tm="100000">
+                                          <p:val>
+                                            <p:strVal val="#ppt_y"/>
+                                          </p:val>
+                                        </p:tav>
+                                      </p:tavLst>
+                                    </p:anim>
+                                  </p:childTnLst>
+                                </p:cTn>
+                              </p:par>
+                            </p:childTnLst>
+                          </p:cTn>
+                        </p:par>
+                      </p:childTnLst>
+                    </p:cTn>
+                  </p:par>
+                  <p:par>
+                    <p:cTn id="9" fill="hold">
+                      <p:stCondLst>
+                        <p:cond delay="indefinite"/>
+                      </p:stCondLst>
+                      <p:childTnLst>
+                        <p:par>
+                          <p:cTn id="10" fill="hold">
+                            <p:stCondLst>
+                              <p:cond delay="0"/>
+                            </p:stCondLst>
+                            <p:childTnLst>
+                              <p:par>
+                                <p:cTn id="11" presetID="2" presetClass="exit" presetSubtype="4" accel="50000" decel="50000" fill="hold" nodeType="clickEffect">
+                                  <p:stCondLst>
+                                    <p:cond delay="0"/>
+                                  </p:stCondLst>
+                                  <p:childTnLst>
+                                    <p:anim calcmode="lin" valueType="num">
+                                      <p:cBhvr additive="base">
+                                        <p:cTn id="12" dur="500"/>
+                                        <p:tgtEl>
+                                          <p:spTgt spid="8"/>
+                                        </p:tgtEl>
+                                        <p:attrNameLst>
+                                          <p:attrName>ppt_x</p:attrName>
+                                        </p:attrNameLst>
+                                      </p:cBhvr>
+                                      <p:tavLst>
+                                        <p:tav tm="0">
+                                          <p:val>
+                                            <p:strVal val="ppt_x"/>
+                                          </p:val>
+                                        </p:tav>
+                                        <p:tav tm="100000">
+                                          <p:val>
+                                            <p:strVal val="ppt_x"/>
+                                          </p:val>
+                                        </p:tav>
+                                      </p:tavLst>
+                                    </p:anim>
+                                    <p:anim calcmode="lin" valueType="num">
+                                      <p:cBhvr additive="base">
+                                        <p:cTn id="13" dur="500"/>
+                                        <p:tgtEl>
+                                          <p:spTgt spid="8"/>
+                                        </p:tgtEl>
+                                        <p:attrNameLst>
+                                          <p:attrName>ppt_y</p:attrName>
+                                        </p:attrNameLst>
+                                      </p:cBhvr>
+                                      <p:tavLst>
+                                        <p:tav tm="0">
+                                          <p:val>
+                                            <p:strVal val="ppt_y"/>
+                                          </p:val>
+                                        </p:tav>
+                                        <p:tav tm="100000">
+                                          <p:val>
+                                            <p:strVal val="1+ppt_h/2"/>
+                                          </p:val>
+                                        </p:tav>
+                                      </p:tavLst>
+                                    </p:anim>
+                                    <p:set>
+                                      <p:cBhvr>
+                                        <p:cTn id="14" dur="1" fill="hold">
+                                          <p:stCondLst>
+                                            <p:cond delay="499"/>
+                                          </p:stCondLst>
+                                        </p:cTn>
+                                        <p:tgtEl>
+                                          <p:spTgt spid="8"/>
+                                        </p:tgtEl>
+                                        <p:attrNameLst>
+                                          <p:attrName>style.visibility</p:attrName>
+                                        </p:attrNameLst>
+                                      </p:cBhvr>
+                                      <p:to>
+                                        <p:strVal val="hidden"/>
+                                      </p:to>
+                                    </p:set>
+                                  </p:childTnLst>
+                                </p:cTn>
+                              </p:par>
+                            </p:childTnLst>
+                          </p:cTn>
+                        </p:par>
+                        <p:par>
+                          <p:cTn id="15" fill="hold">
+                            <p:stCondLst>
+                              <p:cond delay="500"/>
+                            </p:stCondLst>
+                            <p:childTnLst>
+                              <p:par>
+                                <p:cTn id="16" presetID="2" presetClass="entr" presetSubtype="4" accel="50000" decel="50000" fill="hold" nodeType="afterEffect">
+                                  <p:stCondLst>
+                                    <p:cond delay="0"/>
+                                  </p:stCondLst>
+                                  <p:childTnLst>
+                                    <p:set>
+                                      <p:cBhvr>
+                                        <p:cTn id="17" dur="1" fill="hold">
+                                          <p:stCondLst>
+                                            <p:cond delay="0"/>
+                                          </p:stCondLst>
+                                        </p:cTn>
+                                        <p:tgtEl>
+                                          <p:spTgt spid="7"/>
+                                        </p:tgtEl>
+                                        <p:attrNameLst>
+                                          <p:attrName>style.visibility</p:attrName>
+                                        </p:attrNameLst>
+                                      </p:cBhvr>
+                                      <p:to>
+                                        <p:strVal val="visible"/>
+                                      </p:to>
+                                    </p:set>
+                                    <p:anim calcmode="lin" valueType="num">
+                                      <p:cBhvr additive="base">
+                                        <p:cTn id="18" dur="500" fill="hold"/>
+                                        <p:tgtEl>
+                                          <p:spTgt spid="7"/>
+                                        </p:tgtEl>
+                                        <p:attrNameLst>
+                                          <p:attrName>ppt_x</p:attrName>
+                                        </p:attrNameLst>
+                                      </p:cBhvr>
+                                      <p:tavLst>
+                                        <p:tav tm="0">
+                                          <p:val>
+                                            <p:strVal val="#ppt_x"/>
+                                          </p:val>
+                                        </p:tav>
+                                        <p:tav tm="100000">
+                                          <p:val>
+                                            <p:strVal val="#ppt_x"/>
+                                          </p:val>
+                                        </p:tav>
+                                      </p:tavLst>
+                                    </p:anim>
+                                    <p:anim calcmode="lin" valueType="num">
+                                      <p:cBhvr additive="base">
+                                        <p:cTn id="19" dur="500" fill="hold"/>
+                                        <p:tgtEl>
+                                          <p:spTgt spid="7"/>
+                                        </p:tgtEl>
+                                        <p:attrNameLst>
+                                          <p:attrName>ppt_y</p:attrName>
+                                        </p:attrNameLst>
+                                      </p:cBhvr>
+                                      <p:tavLst>
+                                        <p:tav tm="0">
+                                          <p:val>
+                                            <p:strVal val="1+#ppt_h/2"/>
+                                          </p:val>
+                                        </p:tav>
+                                        <p:tav tm="100000">
+                                          <p:val>
+                                            <p:strVal val="#ppt_y"/>
+                                          </p:val>
+                                        </p:tav>
+                                      </p:tavLst>
+                                    </p:anim>
+                                  </p:childTnLst>
+                                </p:cTn>
+                              </p:par>
+                            </p:childTnLst>
+                          </p:cTn>
+                        </p:par>
+                      </p:childTnLst>
+                    </p:cTn>
+                  </p:par>
+                </p:childTnLst>
+              </p:cTn>
+              <p:prevCondLst>
+                <p:cond evt="onPrev" delay="0">
+                  <p:tgtEl>
+                    <p:sldTgt/>
+                  </p:tgtEl>
+                </p:cond>
+              </p:prevCondLst>
+              <p:nextCondLst>
+                <p:cond evt="onNext" delay="0">
+                  <p:tgtEl>
+                    <p:sldTgt/>
+                  </p:tgtEl>
+                </p:cond>
+              </p:nextCondLst>
+            </p:seq>
+          </p:childTnLst>
+        </p:cTn>
+      </p:par>
+    </p:tnLst>
+  </p:timing>
 </p:sld>
 </file>
 
@@ -3802,39 +4882,42 @@
           <a:p>
             <a:r>
               <a:rPr lang="pt-BR" dirty="0" smtClean="0"/>
-              <a:t>calend</a:t>
-            </a:r>
-            <a:r>
-              <a:rPr lang="pt-BR" dirty="0" smtClean="0"/>
-              <a:t>ário</a:t>
+              <a:t>calendário</a:t>
             </a:r>
             <a:endParaRPr lang="pt-BR" dirty="0"/>
           </a:p>
         </p:txBody>
       </p:sp>
-      <p:sp>
-        <p:nvSpPr>
-          <p:cNvPr id="3" name="Content Placeholder 2"/>
-          <p:cNvSpPr>
-            <a:spLocks noGrp="1"/>
-          </p:cNvSpPr>
-          <p:nvPr>
-            <p:ph idx="1"/>
-          </p:nvPr>
-        </p:nvSpPr>
-        <p:spPr/>
-        <p:txBody>
-          <a:bodyPr/>
-          <a:lstStyle/>
-          <a:p>
-            <a:r>
-              <a:rPr lang="pt-BR" dirty="0" smtClean="0"/>
-              <a:t>Todas as telas dos dias da semana</a:t>
-            </a:r>
-            <a:endParaRPr lang="pt-BR" dirty="0"/>
-          </a:p>
-        </p:txBody>
-      </p:sp>
+      <p:pic>
+        <p:nvPicPr>
+          <p:cNvPr id="5" name="Picture 4" descr="Calendário.png"/>
+          <p:cNvPicPr>
+            <a:picLocks noChangeAspect="1"/>
+          </p:cNvPicPr>
+          <p:nvPr/>
+        </p:nvPicPr>
+        <p:blipFill>
+          <a:blip r:embed="rId2">
+            <a:extLst>
+              <a:ext uri="{28A0092B-C50C-407E-A947-70E740481C1C}">
+                <a14:useLocalDpi xmlns:a14="http://schemas.microsoft.com/office/drawing/2010/main" val="0"/>
+              </a:ext>
+            </a:extLst>
+          </a:blip>
+          <a:stretch>
+            <a:fillRect/>
+          </a:stretch>
+        </p:blipFill>
+        <p:spPr>
+          <a:xfrm>
+            <a:off x="4177234" y="0"/>
+            <a:ext cx="4142332" cy="6858000"/>
+          </a:xfrm>
+          <a:prstGeom prst="rect">
+            <a:avLst/>
+          </a:prstGeom>
+        </p:spPr>
+      </p:pic>
     </p:spTree>
     <p:extLst>
       <p:ext uri="{BB962C8B-B14F-4D97-AF65-F5344CB8AC3E}">
@@ -3845,6 +4928,133 @@
   <p:clrMapOvr>
     <a:masterClrMapping/>
   </p:clrMapOvr>
+  <p:transition xmlns:p14="http://schemas.microsoft.com/office/powerpoint/2010/main" spd="slow">
+    <p:push dir="u"/>
+  </p:transition>
+  <p:timing>
+    <p:tnLst>
+      <p:par>
+        <p:cTn xmlns:p14="http://schemas.microsoft.com/office/powerpoint/2010/main" id="1" dur="indefinite" restart="never" nodeType="tmRoot">
+          <p:childTnLst>
+            <p:seq concurrent="1" nextAc="seek">
+              <p:cTn id="2" dur="indefinite" nodeType="mainSeq">
+                <p:childTnLst>
+                  <p:par>
+                    <p:cTn id="3" fill="hold">
+                      <p:stCondLst>
+                        <p:cond delay="indefinite"/>
+                        <p:cond evt="onBegin" delay="0">
+                          <p:tn val="2"/>
+                        </p:cond>
+                      </p:stCondLst>
+                      <p:childTnLst>
+                        <p:par>
+                          <p:cTn id="4" fill="hold">
+                            <p:stCondLst>
+                              <p:cond delay="0"/>
+                            </p:stCondLst>
+                            <p:childTnLst>
+                              <p:par>
+                                <p:cTn id="5" presetID="2" presetClass="entr" presetSubtype="4" accel="50000" decel="50000" fill="hold" nodeType="afterEffect">
+                                  <p:stCondLst>
+                                    <p:cond delay="0"/>
+                                  </p:stCondLst>
+                                  <p:childTnLst>
+                                    <p:set>
+                                      <p:cBhvr>
+                                        <p:cTn id="6" dur="1" fill="hold">
+                                          <p:stCondLst>
+                                            <p:cond delay="0"/>
+                                          </p:stCondLst>
+                                        </p:cTn>
+                                        <p:tgtEl>
+                                          <p:spTgt spid="5"/>
+                                        </p:tgtEl>
+                                        <p:attrNameLst>
+                                          <p:attrName>style.visibility</p:attrName>
+                                        </p:attrNameLst>
+                                      </p:cBhvr>
+                                      <p:to>
+                                        <p:strVal val="visible"/>
+                                      </p:to>
+                                    </p:set>
+                                    <p:anim calcmode="lin" valueType="num">
+                                      <p:cBhvr additive="base">
+                                        <p:cTn id="7" dur="500" fill="hold"/>
+                                        <p:tgtEl>
+                                          <p:spTgt spid="5"/>
+                                        </p:tgtEl>
+                                        <p:attrNameLst>
+                                          <p:attrName>ppt_x</p:attrName>
+                                        </p:attrNameLst>
+                                      </p:cBhvr>
+                                      <p:tavLst>
+                                        <p:tav tm="0">
+                                          <p:val>
+                                            <p:strVal val="#ppt_x"/>
+                                          </p:val>
+                                        </p:tav>
+                                        <p:tav tm="100000">
+                                          <p:val>
+                                            <p:strVal val="#ppt_x"/>
+                                          </p:val>
+                                        </p:tav>
+                                      </p:tavLst>
+                                    </p:anim>
+                                    <p:anim calcmode="lin" valueType="num">
+                                      <p:cBhvr additive="base">
+                                        <p:cTn id="8" dur="500" fill="hold"/>
+                                        <p:tgtEl>
+                                          <p:spTgt spid="5"/>
+                                        </p:tgtEl>
+                                        <p:attrNameLst>
+                                          <p:attrName>ppt_y</p:attrName>
+                                        </p:attrNameLst>
+                                      </p:cBhvr>
+                                      <p:tavLst>
+                                        <p:tav tm="0">
+                                          <p:val>
+                                            <p:strVal val="1+#ppt_h/2"/>
+                                          </p:val>
+                                        </p:tav>
+                                        <p:tav tm="100000">
+                                          <p:val>
+                                            <p:strVal val="#ppt_y"/>
+                                          </p:val>
+                                        </p:tav>
+                                      </p:tavLst>
+                                    </p:anim>
+                                  </p:childTnLst>
+                                </p:cTn>
+                              </p:par>
+                            </p:childTnLst>
+                          </p:cTn>
+                        </p:par>
+                      </p:childTnLst>
+                    </p:cTn>
+                  </p:par>
+                </p:childTnLst>
+              </p:cTn>
+              <p:prevCondLst>
+                <p:cond evt="onPrev" delay="0">
+                  <p:tgtEl>
+                    <p:sldTgt/>
+                  </p:tgtEl>
+                </p:cond>
+              </p:prevCondLst>
+              <p:nextCondLst>
+                <p:cond evt="onNext" delay="0">
+                  <p:tgtEl>
+                    <p:sldTgt/>
+                  </p:tgtEl>
+                </p:cond>
+              </p:nextCondLst>
+            </p:seq>
+          </p:childTnLst>
+        </p:cTn>
+      </p:par>
+    </p:tnLst>
+  </p:timing>
 </p:sld>
 </file>
 
@@ -3882,49 +5092,179 @@
           <a:p>
             <a:r>
               <a:rPr lang="pt-BR" dirty="0" smtClean="0"/>
-              <a:t>professores</a:t>
+              <a:t>mapa</a:t>
             </a:r>
             <a:endParaRPr lang="pt-BR" dirty="0"/>
           </a:p>
         </p:txBody>
       </p:sp>
-      <p:sp>
-        <p:nvSpPr>
-          <p:cNvPr id="3" name="Content Placeholder 2"/>
-          <p:cNvSpPr>
-            <a:spLocks noGrp="1"/>
-          </p:cNvSpPr>
-          <p:nvPr>
-            <p:ph idx="1"/>
-          </p:nvPr>
-        </p:nvSpPr>
-        <p:spPr/>
-        <p:txBody>
-          <a:bodyPr/>
-          <a:lstStyle/>
-          <a:p>
-            <a:r>
-              <a:rPr lang="pt-BR" dirty="0" smtClean="0"/>
-              <a:t>Tela dos profs. e ex. de um dos hor</a:t>
-            </a:r>
-            <a:r>
-              <a:rPr lang="pt-BR" dirty="0" smtClean="0"/>
-              <a:t>ários dos profs.</a:t>
-            </a:r>
-            <a:endParaRPr lang="pt-BR" dirty="0"/>
-          </a:p>
-        </p:txBody>
-      </p:sp>
+      <p:pic>
+        <p:nvPicPr>
+          <p:cNvPr id="5" name="Picture 4" descr="Mapa.png"/>
+          <p:cNvPicPr>
+            <a:picLocks noChangeAspect="1"/>
+          </p:cNvPicPr>
+          <p:nvPr/>
+        </p:nvPicPr>
+        <p:blipFill>
+          <a:blip r:embed="rId2">
+            <a:extLst>
+              <a:ext uri="{28A0092B-C50C-407E-A947-70E740481C1C}">
+                <a14:useLocalDpi xmlns:a14="http://schemas.microsoft.com/office/drawing/2010/main" val="0"/>
+              </a:ext>
+            </a:extLst>
+          </a:blip>
+          <a:stretch>
+            <a:fillRect/>
+          </a:stretch>
+        </p:blipFill>
+        <p:spPr>
+          <a:xfrm>
+            <a:off x="4082345" y="0"/>
+            <a:ext cx="4127269" cy="6858000"/>
+          </a:xfrm>
+          <a:prstGeom prst="rect">
+            <a:avLst/>
+          </a:prstGeom>
+        </p:spPr>
+      </p:pic>
     </p:spTree>
     <p:extLst>
       <p:ext uri="{BB962C8B-B14F-4D97-AF65-F5344CB8AC3E}">
-        <p14:creationId xmlns:p14="http://schemas.microsoft.com/office/powerpoint/2010/main" val="3470111543"/>
+        <p14:creationId xmlns:p14="http://schemas.microsoft.com/office/powerpoint/2010/main" val="566967900"/>
       </p:ext>
     </p:extLst>
   </p:cSld>
   <p:clrMapOvr>
     <a:masterClrMapping/>
   </p:clrMapOvr>
+  <p:transition xmlns:p14="http://schemas.microsoft.com/office/powerpoint/2010/main" spd="slow">
+    <p:push dir="u"/>
+  </p:transition>
+  <p:timing>
+    <p:tnLst>
+      <p:par>
+        <p:cTn xmlns:p14="http://schemas.microsoft.com/office/powerpoint/2010/main" id="1" dur="indefinite" restart="never" nodeType="tmRoot">
+          <p:childTnLst>
+            <p:seq concurrent="1" nextAc="seek">
+              <p:cTn id="2" dur="indefinite" nodeType="mainSeq">
+                <p:childTnLst>
+                  <p:par>
+                    <p:cTn id="3" fill="hold">
+                      <p:stCondLst>
+                        <p:cond delay="indefinite"/>
+                        <p:cond evt="onBegin" delay="0">
+                          <p:tn val="2"/>
+                        </p:cond>
+                      </p:stCondLst>
+                      <p:childTnLst>
+                        <p:par>
+                          <p:cTn id="4" fill="hold">
+                            <p:stCondLst>
+                              <p:cond delay="0"/>
+                            </p:stCondLst>
+                            <p:childTnLst>
+                              <p:par>
+                                <p:cTn id="5" presetID="2" presetClass="entr" presetSubtype="4" accel="50000" decel="50000" fill="hold" nodeType="afterEffect">
+                                  <p:stCondLst>
+                                    <p:cond delay="0"/>
+                                  </p:stCondLst>
+                                  <p:childTnLst>
+                                    <p:set>
+                                      <p:cBhvr>
+                                        <p:cTn id="6" dur="1" fill="hold">
+                                          <p:stCondLst>
+                                            <p:cond delay="0"/>
+                                          </p:stCondLst>
+                                        </p:cTn>
+                                        <p:tgtEl>
+                                          <p:spTgt spid="5"/>
+                                        </p:tgtEl>
+                                        <p:attrNameLst>
+                                          <p:attrName>style.visibility</p:attrName>
+                                        </p:attrNameLst>
+                                      </p:cBhvr>
+                                      <p:to>
+                                        <p:strVal val="visible"/>
+                                      </p:to>
+                                    </p:set>
+                                    <p:anim calcmode="lin" valueType="num">
+                                      <p:cBhvr additive="base">
+                                        <p:cTn id="7" dur="500" fill="hold"/>
+                                        <p:tgtEl>
+                                          <p:spTgt spid="5"/>
+                                        </p:tgtEl>
+                                        <p:attrNameLst>
+                                          <p:attrName>ppt_x</p:attrName>
+                                        </p:attrNameLst>
+                                      </p:cBhvr>
+                                      <p:tavLst>
+                                        <p:tav tm="0">
+                                          <p:val>
+                                            <p:strVal val="#ppt_x"/>
+                                          </p:val>
+                                        </p:tav>
+                                        <p:tav tm="100000">
+                                          <p:val>
+                                            <p:strVal val="#ppt_x"/>
+                                          </p:val>
+                                        </p:tav>
+                                      </p:tavLst>
+                                    </p:anim>
+                                    <p:anim calcmode="lin" valueType="num">
+                                      <p:cBhvr additive="base">
+                                        <p:cTn id="8" dur="500" fill="hold"/>
+                                        <p:tgtEl>
+                                          <p:spTgt spid="5"/>
+                                        </p:tgtEl>
+                                        <p:attrNameLst>
+                                          <p:attrName>ppt_y</p:attrName>
+                                        </p:attrNameLst>
+                                      </p:cBhvr>
+                                      <p:tavLst>
+                                        <p:tav tm="0">
+                                          <p:val>
+                                            <p:strVal val="1+#ppt_h/2"/>
+                                          </p:val>
+                                        </p:tav>
+                                        <p:tav tm="100000">
+                                          <p:val>
+                                            <p:strVal val="#ppt_y"/>
+                                          </p:val>
+                                        </p:tav>
+                                      </p:tavLst>
+                                    </p:anim>
+                                  </p:childTnLst>
+                                </p:cTn>
+                              </p:par>
+                            </p:childTnLst>
+                          </p:cTn>
+                        </p:par>
+                      </p:childTnLst>
+                    </p:cTn>
+                  </p:par>
+                </p:childTnLst>
+              </p:cTn>
+              <p:prevCondLst>
+                <p:cond evt="onPrev" delay="0">
+                  <p:tgtEl>
+                    <p:sldTgt/>
+                  </p:tgtEl>
+                </p:cond>
+              </p:prevCondLst>
+              <p:nextCondLst>
+                <p:cond evt="onNext" delay="0">
+                  <p:tgtEl>
+                    <p:sldTgt/>
+                  </p:tgtEl>
+                </p:cond>
+              </p:nextCondLst>
+            </p:seq>
+          </p:childTnLst>
+        </p:cTn>
+      </p:par>
+    </p:tnLst>
+  </p:timing>
 </p:sld>
 </file>
 
@@ -3962,20 +5302,410 @@
           <a:p>
             <a:r>
               <a:rPr lang="pt-BR" dirty="0" smtClean="0"/>
-              <a:t>funcionamento</a:t>
+              <a:t>professores</a:t>
             </a:r>
             <a:endParaRPr lang="pt-BR" dirty="0"/>
           </a:p>
         </p:txBody>
       </p:sp>
-      <p:sp>
-        <p:nvSpPr>
-          <p:cNvPr id="3" name="Content Placeholder 2"/>
-          <p:cNvSpPr>
-            <a:spLocks noGrp="1"/>
-          </p:cNvSpPr>
-          <p:nvPr>
-            <p:ph idx="1"/>
+      <p:pic>
+        <p:nvPicPr>
+          <p:cNvPr id="6" name="Picture 5" descr="Profs tela.png"/>
+          <p:cNvPicPr>
+            <a:picLocks noChangeAspect="1"/>
+          </p:cNvPicPr>
+          <p:nvPr/>
+        </p:nvPicPr>
+        <p:blipFill>
+          <a:blip r:embed="rId2">
+            <a:extLst>
+              <a:ext uri="{28A0092B-C50C-407E-A947-70E740481C1C}">
+                <a14:useLocalDpi xmlns:a14="http://schemas.microsoft.com/office/drawing/2010/main" val="0"/>
+              </a:ext>
+            </a:extLst>
+          </a:blip>
+          <a:stretch>
+            <a:fillRect/>
+          </a:stretch>
+        </p:blipFill>
+        <p:spPr>
+          <a:xfrm>
+            <a:off x="4406900" y="0"/>
+            <a:ext cx="4139967" cy="6858000"/>
+          </a:xfrm>
+          <a:prstGeom prst="rect">
+            <a:avLst/>
+          </a:prstGeom>
+        </p:spPr>
+      </p:pic>
+      <p:pic>
+        <p:nvPicPr>
+          <p:cNvPr id="7" name="Picture 6" descr="Profs.png"/>
+          <p:cNvPicPr>
+            <a:picLocks noChangeAspect="1"/>
+          </p:cNvPicPr>
+          <p:nvPr/>
+        </p:nvPicPr>
+        <p:blipFill>
+          <a:blip r:embed="rId3">
+            <a:extLst>
+              <a:ext uri="{28A0092B-C50C-407E-A947-70E740481C1C}">
+                <a14:useLocalDpi xmlns:a14="http://schemas.microsoft.com/office/drawing/2010/main" val="0"/>
+              </a:ext>
+            </a:extLst>
+          </a:blip>
+          <a:stretch>
+            <a:fillRect/>
+          </a:stretch>
+        </p:blipFill>
+        <p:spPr>
+          <a:xfrm>
+            <a:off x="4432067" y="0"/>
+            <a:ext cx="4114800" cy="6858000"/>
+          </a:xfrm>
+          <a:prstGeom prst="rect">
+            <a:avLst/>
+          </a:prstGeom>
+        </p:spPr>
+      </p:pic>
+    </p:spTree>
+    <p:extLst>
+      <p:ext uri="{BB962C8B-B14F-4D97-AF65-F5344CB8AC3E}">
+        <p14:creationId xmlns:p14="http://schemas.microsoft.com/office/powerpoint/2010/main" val="3470111543"/>
+      </p:ext>
+    </p:extLst>
+  </p:cSld>
+  <p:clrMapOvr>
+    <a:masterClrMapping/>
+  </p:clrMapOvr>
+  <p:transition xmlns:p14="http://schemas.microsoft.com/office/powerpoint/2010/main" spd="slow">
+    <p:push dir="u"/>
+  </p:transition>
+  <p:timing>
+    <p:tnLst>
+      <p:par>
+        <p:cTn xmlns:p14="http://schemas.microsoft.com/office/powerpoint/2010/main" id="1" dur="indefinite" restart="never" nodeType="tmRoot">
+          <p:childTnLst>
+            <p:seq concurrent="1" nextAc="seek">
+              <p:cTn id="2" dur="indefinite" nodeType="mainSeq">
+                <p:childTnLst>
+                  <p:par>
+                    <p:cTn id="3" fill="hold">
+                      <p:stCondLst>
+                        <p:cond delay="indefinite"/>
+                        <p:cond evt="onBegin" delay="0">
+                          <p:tn val="2"/>
+                        </p:cond>
+                      </p:stCondLst>
+                      <p:childTnLst>
+                        <p:par>
+                          <p:cTn id="4" fill="hold">
+                            <p:stCondLst>
+                              <p:cond delay="0"/>
+                            </p:stCondLst>
+                            <p:childTnLst>
+                              <p:par>
+                                <p:cTn id="5" presetID="2" presetClass="entr" presetSubtype="4" accel="50000" decel="50000" fill="hold" nodeType="afterEffect">
+                                  <p:stCondLst>
+                                    <p:cond delay="0"/>
+                                  </p:stCondLst>
+                                  <p:childTnLst>
+                                    <p:set>
+                                      <p:cBhvr>
+                                        <p:cTn id="6" dur="1" fill="hold">
+                                          <p:stCondLst>
+                                            <p:cond delay="0"/>
+                                          </p:stCondLst>
+                                        </p:cTn>
+                                        <p:tgtEl>
+                                          <p:spTgt spid="7"/>
+                                        </p:tgtEl>
+                                        <p:attrNameLst>
+                                          <p:attrName>style.visibility</p:attrName>
+                                        </p:attrNameLst>
+                                      </p:cBhvr>
+                                      <p:to>
+                                        <p:strVal val="visible"/>
+                                      </p:to>
+                                    </p:set>
+                                    <p:anim calcmode="lin" valueType="num">
+                                      <p:cBhvr additive="base">
+                                        <p:cTn id="7" dur="500" fill="hold"/>
+                                        <p:tgtEl>
+                                          <p:spTgt spid="7"/>
+                                        </p:tgtEl>
+                                        <p:attrNameLst>
+                                          <p:attrName>ppt_x</p:attrName>
+                                        </p:attrNameLst>
+                                      </p:cBhvr>
+                                      <p:tavLst>
+                                        <p:tav tm="0">
+                                          <p:val>
+                                            <p:strVal val="#ppt_x"/>
+                                          </p:val>
+                                        </p:tav>
+                                        <p:tav tm="100000">
+                                          <p:val>
+                                            <p:strVal val="#ppt_x"/>
+                                          </p:val>
+                                        </p:tav>
+                                      </p:tavLst>
+                                    </p:anim>
+                                    <p:anim calcmode="lin" valueType="num">
+                                      <p:cBhvr additive="base">
+                                        <p:cTn id="8" dur="500" fill="hold"/>
+                                        <p:tgtEl>
+                                          <p:spTgt spid="7"/>
+                                        </p:tgtEl>
+                                        <p:attrNameLst>
+                                          <p:attrName>ppt_y</p:attrName>
+                                        </p:attrNameLst>
+                                      </p:cBhvr>
+                                      <p:tavLst>
+                                        <p:tav tm="0">
+                                          <p:val>
+                                            <p:strVal val="1+#ppt_h/2"/>
+                                          </p:val>
+                                        </p:tav>
+                                        <p:tav tm="100000">
+                                          <p:val>
+                                            <p:strVal val="#ppt_y"/>
+                                          </p:val>
+                                        </p:tav>
+                                      </p:tavLst>
+                                    </p:anim>
+                                  </p:childTnLst>
+                                </p:cTn>
+                              </p:par>
+                            </p:childTnLst>
+                          </p:cTn>
+                        </p:par>
+                      </p:childTnLst>
+                    </p:cTn>
+                  </p:par>
+                  <p:par>
+                    <p:cTn id="9" fill="hold">
+                      <p:stCondLst>
+                        <p:cond delay="indefinite"/>
+                      </p:stCondLst>
+                      <p:childTnLst>
+                        <p:par>
+                          <p:cTn id="10" fill="hold">
+                            <p:stCondLst>
+                              <p:cond delay="0"/>
+                            </p:stCondLst>
+                            <p:childTnLst>
+                              <p:par>
+                                <p:cTn id="11" presetID="2" presetClass="exit" presetSubtype="4" accel="50000" decel="50000" fill="hold" nodeType="clickEffect">
+                                  <p:stCondLst>
+                                    <p:cond delay="0"/>
+                                  </p:stCondLst>
+                                  <p:childTnLst>
+                                    <p:anim calcmode="lin" valueType="num">
+                                      <p:cBhvr additive="base">
+                                        <p:cTn id="12" dur="500"/>
+                                        <p:tgtEl>
+                                          <p:spTgt spid="7"/>
+                                        </p:tgtEl>
+                                        <p:attrNameLst>
+                                          <p:attrName>ppt_x</p:attrName>
+                                        </p:attrNameLst>
+                                      </p:cBhvr>
+                                      <p:tavLst>
+                                        <p:tav tm="0">
+                                          <p:val>
+                                            <p:strVal val="ppt_x"/>
+                                          </p:val>
+                                        </p:tav>
+                                        <p:tav tm="100000">
+                                          <p:val>
+                                            <p:strVal val="ppt_x"/>
+                                          </p:val>
+                                        </p:tav>
+                                      </p:tavLst>
+                                    </p:anim>
+                                    <p:anim calcmode="lin" valueType="num">
+                                      <p:cBhvr additive="base">
+                                        <p:cTn id="13" dur="500"/>
+                                        <p:tgtEl>
+                                          <p:spTgt spid="7"/>
+                                        </p:tgtEl>
+                                        <p:attrNameLst>
+                                          <p:attrName>ppt_y</p:attrName>
+                                        </p:attrNameLst>
+                                      </p:cBhvr>
+                                      <p:tavLst>
+                                        <p:tav tm="0">
+                                          <p:val>
+                                            <p:strVal val="ppt_y"/>
+                                          </p:val>
+                                        </p:tav>
+                                        <p:tav tm="100000">
+                                          <p:val>
+                                            <p:strVal val="1+ppt_h/2"/>
+                                          </p:val>
+                                        </p:tav>
+                                      </p:tavLst>
+                                    </p:anim>
+                                    <p:set>
+                                      <p:cBhvr>
+                                        <p:cTn id="14" dur="1" fill="hold">
+                                          <p:stCondLst>
+                                            <p:cond delay="499"/>
+                                          </p:stCondLst>
+                                        </p:cTn>
+                                        <p:tgtEl>
+                                          <p:spTgt spid="7"/>
+                                        </p:tgtEl>
+                                        <p:attrNameLst>
+                                          <p:attrName>style.visibility</p:attrName>
+                                        </p:attrNameLst>
+                                      </p:cBhvr>
+                                      <p:to>
+                                        <p:strVal val="hidden"/>
+                                      </p:to>
+                                    </p:set>
+                                  </p:childTnLst>
+                                </p:cTn>
+                              </p:par>
+                            </p:childTnLst>
+                          </p:cTn>
+                        </p:par>
+                        <p:par>
+                          <p:cTn id="15" fill="hold">
+                            <p:stCondLst>
+                              <p:cond delay="500"/>
+                            </p:stCondLst>
+                            <p:childTnLst>
+                              <p:par>
+                                <p:cTn id="16" presetID="2" presetClass="entr" presetSubtype="4" accel="50000" decel="50000" fill="hold" nodeType="afterEffect">
+                                  <p:stCondLst>
+                                    <p:cond delay="0"/>
+                                  </p:stCondLst>
+                                  <p:childTnLst>
+                                    <p:set>
+                                      <p:cBhvr>
+                                        <p:cTn id="17" dur="1" fill="hold">
+                                          <p:stCondLst>
+                                            <p:cond delay="0"/>
+                                          </p:stCondLst>
+                                        </p:cTn>
+                                        <p:tgtEl>
+                                          <p:spTgt spid="6"/>
+                                        </p:tgtEl>
+                                        <p:attrNameLst>
+                                          <p:attrName>style.visibility</p:attrName>
+                                        </p:attrNameLst>
+                                      </p:cBhvr>
+                                      <p:to>
+                                        <p:strVal val="visible"/>
+                                      </p:to>
+                                    </p:set>
+                                    <p:anim calcmode="lin" valueType="num">
+                                      <p:cBhvr additive="base">
+                                        <p:cTn id="18" dur="500" fill="hold"/>
+                                        <p:tgtEl>
+                                          <p:spTgt spid="6"/>
+                                        </p:tgtEl>
+                                        <p:attrNameLst>
+                                          <p:attrName>ppt_x</p:attrName>
+                                        </p:attrNameLst>
+                                      </p:cBhvr>
+                                      <p:tavLst>
+                                        <p:tav tm="0">
+                                          <p:val>
+                                            <p:strVal val="#ppt_x"/>
+                                          </p:val>
+                                        </p:tav>
+                                        <p:tav tm="100000">
+                                          <p:val>
+                                            <p:strVal val="#ppt_x"/>
+                                          </p:val>
+                                        </p:tav>
+                                      </p:tavLst>
+                                    </p:anim>
+                                    <p:anim calcmode="lin" valueType="num">
+                                      <p:cBhvr additive="base">
+                                        <p:cTn id="19" dur="500" fill="hold"/>
+                                        <p:tgtEl>
+                                          <p:spTgt spid="6"/>
+                                        </p:tgtEl>
+                                        <p:attrNameLst>
+                                          <p:attrName>ppt_y</p:attrName>
+                                        </p:attrNameLst>
+                                      </p:cBhvr>
+                                      <p:tavLst>
+                                        <p:tav tm="0">
+                                          <p:val>
+                                            <p:strVal val="1+#ppt_h/2"/>
+                                          </p:val>
+                                        </p:tav>
+                                        <p:tav tm="100000">
+                                          <p:val>
+                                            <p:strVal val="#ppt_y"/>
+                                          </p:val>
+                                        </p:tav>
+                                      </p:tavLst>
+                                    </p:anim>
+                                  </p:childTnLst>
+                                </p:cTn>
+                              </p:par>
+                            </p:childTnLst>
+                          </p:cTn>
+                        </p:par>
+                      </p:childTnLst>
+                    </p:cTn>
+                  </p:par>
+                </p:childTnLst>
+              </p:cTn>
+              <p:prevCondLst>
+                <p:cond evt="onPrev" delay="0">
+                  <p:tgtEl>
+                    <p:sldTgt/>
+                  </p:tgtEl>
+                </p:cond>
+              </p:prevCondLst>
+              <p:nextCondLst>
+                <p:cond evt="onNext" delay="0">
+                  <p:tgtEl>
+                    <p:sldTgt/>
+                  </p:tgtEl>
+                </p:cond>
+              </p:nextCondLst>
+            </p:seq>
+          </p:childTnLst>
+        </p:cTn>
+      </p:par>
+    </p:tnLst>
+  </p:timing>
+</p:sld>
+</file>
+
+<file path=ppt/slides/slide8.xml><?xml version="1.0" encoding="utf-8"?>
+<p:sld xmlns:a="http://schemas.openxmlformats.org/drawingml/2006/main" xmlns:r="http://schemas.openxmlformats.org/officeDocument/2006/relationships" xmlns:p="http://schemas.openxmlformats.org/presentationml/2006/main">
+  <p:cSld>
+    <p:spTree>
+      <p:nvGrpSpPr>
+        <p:cNvPr id="1" name=""/>
+        <p:cNvGrpSpPr/>
+        <p:nvPr/>
+      </p:nvGrpSpPr>
+      <p:grpSpPr>
+        <a:xfrm>
+          <a:off x="0" y="0"/>
+          <a:ext cx="0" cy="0"/>
+          <a:chOff x="0" y="0"/>
+          <a:chExt cx="0" cy="0"/>
+        </a:xfrm>
+      </p:grpSpPr>
+      <p:sp>
+        <p:nvSpPr>
+          <p:cNvPr id="2" name="Title 1"/>
+          <p:cNvSpPr>
+            <a:spLocks noGrp="1"/>
+          </p:cNvSpPr>
+          <p:nvPr>
+            <p:ph type="title"/>
           </p:nvPr>
         </p:nvSpPr>
         <p:spPr/>
@@ -3984,37 +5714,415 @@
           <a:lstStyle/>
           <a:p>
             <a:r>
-              <a:rPr lang="pt-BR" dirty="0" err="1" smtClean="0"/>
-              <a:t>Screen</a:t>
-            </a:r>
-            <a:r>
               <a:rPr lang="pt-BR" dirty="0" smtClean="0"/>
-              <a:t> </a:t>
-            </a:r>
-            <a:r>
-              <a:rPr lang="pt-BR" dirty="0" err="1" smtClean="0"/>
-              <a:t>shot</a:t>
-            </a:r>
-            <a:r>
-              <a:rPr lang="pt-BR" dirty="0" smtClean="0"/>
-              <a:t> das nossas linhas </a:t>
-            </a:r>
-            <a:r>
-              <a:rPr lang="pt-BR" smtClean="0"/>
-              <a:t>de programa</a:t>
-            </a:r>
-            <a:r>
-              <a:rPr lang="pt-BR" smtClean="0"/>
-              <a:t>ção</a:t>
-            </a:r>
-            <a:r>
-              <a:rPr lang="pt-BR" smtClean="0"/>
-              <a:t> </a:t>
+              <a:t>sair</a:t>
             </a:r>
             <a:endParaRPr lang="pt-BR" dirty="0"/>
           </a:p>
         </p:txBody>
       </p:sp>
+      <p:pic>
+        <p:nvPicPr>
+          <p:cNvPr id="4" name="Picture 3" descr="Sair.png"/>
+          <p:cNvPicPr>
+            <a:picLocks noChangeAspect="1"/>
+          </p:cNvPicPr>
+          <p:nvPr/>
+        </p:nvPicPr>
+        <p:blipFill>
+          <a:blip r:embed="rId2">
+            <a:extLst>
+              <a:ext uri="{28A0092B-C50C-407E-A947-70E740481C1C}">
+                <a14:useLocalDpi xmlns:a14="http://schemas.microsoft.com/office/drawing/2010/main" val="0"/>
+              </a:ext>
+            </a:extLst>
+          </a:blip>
+          <a:stretch>
+            <a:fillRect/>
+          </a:stretch>
+        </p:blipFill>
+        <p:spPr>
+          <a:xfrm>
+            <a:off x="4223302" y="0"/>
+            <a:ext cx="4050196" cy="6858000"/>
+          </a:xfrm>
+          <a:prstGeom prst="rect">
+            <a:avLst/>
+          </a:prstGeom>
+        </p:spPr>
+      </p:pic>
+    </p:spTree>
+    <p:extLst>
+      <p:ext uri="{BB962C8B-B14F-4D97-AF65-F5344CB8AC3E}">
+        <p14:creationId xmlns:p14="http://schemas.microsoft.com/office/powerpoint/2010/main" val="1824085935"/>
+      </p:ext>
+    </p:extLst>
+  </p:cSld>
+  <p:clrMapOvr>
+    <a:masterClrMapping/>
+  </p:clrMapOvr>
+  <p:transition xmlns:p14="http://schemas.microsoft.com/office/powerpoint/2010/main" spd="slow">
+    <p:push dir="u"/>
+  </p:transition>
+  <p:timing>
+    <p:tnLst>
+      <p:par>
+        <p:cTn xmlns:p14="http://schemas.microsoft.com/office/powerpoint/2010/main" id="1" dur="indefinite" restart="never" nodeType="tmRoot">
+          <p:childTnLst>
+            <p:seq concurrent="1" nextAc="seek">
+              <p:cTn id="2" dur="indefinite" nodeType="mainSeq">
+                <p:childTnLst>
+                  <p:par>
+                    <p:cTn id="3" fill="hold">
+                      <p:stCondLst>
+                        <p:cond delay="indefinite"/>
+                        <p:cond evt="onBegin" delay="0">
+                          <p:tn val="2"/>
+                        </p:cond>
+                      </p:stCondLst>
+                      <p:childTnLst>
+                        <p:par>
+                          <p:cTn id="4" fill="hold">
+                            <p:stCondLst>
+                              <p:cond delay="0"/>
+                            </p:stCondLst>
+                            <p:childTnLst>
+                              <p:par>
+                                <p:cTn id="5" presetID="2" presetClass="entr" presetSubtype="4" accel="50000" decel="50000" fill="hold" nodeType="afterEffect">
+                                  <p:stCondLst>
+                                    <p:cond delay="0"/>
+                                  </p:stCondLst>
+                                  <p:childTnLst>
+                                    <p:set>
+                                      <p:cBhvr>
+                                        <p:cTn id="6" dur="1" fill="hold">
+                                          <p:stCondLst>
+                                            <p:cond delay="0"/>
+                                          </p:stCondLst>
+                                        </p:cTn>
+                                        <p:tgtEl>
+                                          <p:spTgt spid="4"/>
+                                        </p:tgtEl>
+                                        <p:attrNameLst>
+                                          <p:attrName>style.visibility</p:attrName>
+                                        </p:attrNameLst>
+                                      </p:cBhvr>
+                                      <p:to>
+                                        <p:strVal val="visible"/>
+                                      </p:to>
+                                    </p:set>
+                                    <p:anim calcmode="lin" valueType="num">
+                                      <p:cBhvr additive="base">
+                                        <p:cTn id="7" dur="500" fill="hold"/>
+                                        <p:tgtEl>
+                                          <p:spTgt spid="4"/>
+                                        </p:tgtEl>
+                                        <p:attrNameLst>
+                                          <p:attrName>ppt_x</p:attrName>
+                                        </p:attrNameLst>
+                                      </p:cBhvr>
+                                      <p:tavLst>
+                                        <p:tav tm="0">
+                                          <p:val>
+                                            <p:strVal val="#ppt_x"/>
+                                          </p:val>
+                                        </p:tav>
+                                        <p:tav tm="100000">
+                                          <p:val>
+                                            <p:strVal val="#ppt_x"/>
+                                          </p:val>
+                                        </p:tav>
+                                      </p:tavLst>
+                                    </p:anim>
+                                    <p:anim calcmode="lin" valueType="num">
+                                      <p:cBhvr additive="base">
+                                        <p:cTn id="8" dur="500" fill="hold"/>
+                                        <p:tgtEl>
+                                          <p:spTgt spid="4"/>
+                                        </p:tgtEl>
+                                        <p:attrNameLst>
+                                          <p:attrName>ppt_y</p:attrName>
+                                        </p:attrNameLst>
+                                      </p:cBhvr>
+                                      <p:tavLst>
+                                        <p:tav tm="0">
+                                          <p:val>
+                                            <p:strVal val="1+#ppt_h/2"/>
+                                          </p:val>
+                                        </p:tav>
+                                        <p:tav tm="100000">
+                                          <p:val>
+                                            <p:strVal val="#ppt_y"/>
+                                          </p:val>
+                                        </p:tav>
+                                      </p:tavLst>
+                                    </p:anim>
+                                  </p:childTnLst>
+                                </p:cTn>
+                              </p:par>
+                            </p:childTnLst>
+                          </p:cTn>
+                        </p:par>
+                      </p:childTnLst>
+                    </p:cTn>
+                  </p:par>
+                </p:childTnLst>
+              </p:cTn>
+              <p:prevCondLst>
+                <p:cond evt="onPrev" delay="0">
+                  <p:tgtEl>
+                    <p:sldTgt/>
+                  </p:tgtEl>
+                </p:cond>
+              </p:prevCondLst>
+              <p:nextCondLst>
+                <p:cond evt="onNext" delay="0">
+                  <p:tgtEl>
+                    <p:sldTgt/>
+                  </p:tgtEl>
+                </p:cond>
+              </p:nextCondLst>
+            </p:seq>
+          </p:childTnLst>
+        </p:cTn>
+      </p:par>
+    </p:tnLst>
+  </p:timing>
+</p:sld>
+</file>
+
+<file path=ppt/slides/slide9.xml><?xml version="1.0" encoding="utf-8"?>
+<p:sld xmlns:a="http://schemas.openxmlformats.org/drawingml/2006/main" xmlns:r="http://schemas.openxmlformats.org/officeDocument/2006/relationships" xmlns:p="http://schemas.openxmlformats.org/presentationml/2006/main">
+  <p:cSld>
+    <p:spTree>
+      <p:nvGrpSpPr>
+        <p:cNvPr id="1" name=""/>
+        <p:cNvGrpSpPr/>
+        <p:nvPr/>
+      </p:nvGrpSpPr>
+      <p:grpSpPr>
+        <a:xfrm>
+          <a:off x="0" y="0"/>
+          <a:ext cx="0" cy="0"/>
+          <a:chOff x="0" y="0"/>
+          <a:chExt cx="0" cy="0"/>
+        </a:xfrm>
+      </p:grpSpPr>
+      <p:sp>
+        <p:nvSpPr>
+          <p:cNvPr id="2" name="Title 1"/>
+          <p:cNvSpPr>
+            <a:spLocks noGrp="1"/>
+          </p:cNvSpPr>
+          <p:nvPr>
+            <p:ph type="title"/>
+          </p:nvPr>
+        </p:nvSpPr>
+        <p:spPr>
+          <a:xfrm>
+            <a:off x="2079978" y="2297607"/>
+            <a:ext cx="4989689" cy="1371600"/>
+          </a:xfrm>
+        </p:spPr>
+        <p:txBody>
+          <a:bodyPr>
+            <a:normAutofit/>
+          </a:bodyPr>
+          <a:lstStyle/>
+          <a:p>
+            <a:pPr algn="ctr"/>
+            <a:r>
+              <a:rPr lang="pt-BR" sz="6000" dirty="0" smtClean="0"/>
+              <a:t>c</a:t>
+            </a:r>
+            <a:r>
+              <a:rPr lang="pt-BR" sz="6000" dirty="0" smtClean="0"/>
+              <a:t>ódigo</a:t>
+            </a:r>
+            <a:endParaRPr lang="pt-BR" sz="6000" dirty="0"/>
+          </a:p>
+        </p:txBody>
+      </p:sp>
+      <p:pic>
+        <p:nvPicPr>
+          <p:cNvPr id="5" name="Picture 4" descr="Captura de Tela 2015-06-24 às 22.32.40.png"/>
+          <p:cNvPicPr>
+            <a:picLocks noChangeAspect="1"/>
+          </p:cNvPicPr>
+          <p:nvPr/>
+        </p:nvPicPr>
+        <p:blipFill>
+          <a:blip r:embed="rId2">
+            <a:extLst>
+              <a:ext uri="{28A0092B-C50C-407E-A947-70E740481C1C}">
+                <a14:useLocalDpi xmlns:a14="http://schemas.microsoft.com/office/drawing/2010/main" val="0"/>
+              </a:ext>
+            </a:extLst>
+          </a:blip>
+          <a:stretch>
+            <a:fillRect/>
+          </a:stretch>
+        </p:blipFill>
+        <p:spPr>
+          <a:xfrm>
+            <a:off x="3302000" y="0"/>
+            <a:ext cx="2557054" cy="6858000"/>
+          </a:xfrm>
+          <a:prstGeom prst="rect">
+            <a:avLst/>
+          </a:prstGeom>
+        </p:spPr>
+      </p:pic>
+      <p:pic>
+        <p:nvPicPr>
+          <p:cNvPr id="6" name="Picture 5" descr="Captura de Tela 2015-06-24 às 22.34.32.png"/>
+          <p:cNvPicPr>
+            <a:picLocks noChangeAspect="1"/>
+          </p:cNvPicPr>
+          <p:nvPr/>
+        </p:nvPicPr>
+        <p:blipFill>
+          <a:blip r:embed="rId3">
+            <a:extLst>
+              <a:ext uri="{28A0092B-C50C-407E-A947-70E740481C1C}">
+                <a14:useLocalDpi xmlns:a14="http://schemas.microsoft.com/office/drawing/2010/main" val="0"/>
+              </a:ext>
+            </a:extLst>
+          </a:blip>
+          <a:stretch>
+            <a:fillRect/>
+          </a:stretch>
+        </p:blipFill>
+        <p:spPr>
+          <a:xfrm>
+            <a:off x="1757407" y="0"/>
+            <a:ext cx="5312260" cy="6858000"/>
+          </a:xfrm>
+          <a:prstGeom prst="rect">
+            <a:avLst/>
+          </a:prstGeom>
+        </p:spPr>
+      </p:pic>
+      <p:pic>
+        <p:nvPicPr>
+          <p:cNvPr id="7" name="Picture 6" descr="Captura de Tela 2015-06-24 às 22.34.57.png"/>
+          <p:cNvPicPr>
+            <a:picLocks noChangeAspect="1"/>
+          </p:cNvPicPr>
+          <p:nvPr/>
+        </p:nvPicPr>
+        <p:blipFill>
+          <a:blip r:embed="rId4">
+            <a:extLst>
+              <a:ext uri="{28A0092B-C50C-407E-A947-70E740481C1C}">
+                <a14:useLocalDpi xmlns:a14="http://schemas.microsoft.com/office/drawing/2010/main" val="0"/>
+              </a:ext>
+            </a:extLst>
+          </a:blip>
+          <a:stretch>
+            <a:fillRect/>
+          </a:stretch>
+        </p:blipFill>
+        <p:spPr>
+          <a:xfrm>
+            <a:off x="520701" y="0"/>
+            <a:ext cx="8102058" cy="6858000"/>
+          </a:xfrm>
+          <a:prstGeom prst="rect">
+            <a:avLst/>
+          </a:prstGeom>
+        </p:spPr>
+      </p:pic>
+      <p:pic>
+        <p:nvPicPr>
+          <p:cNvPr id="8" name="Picture 7" descr="Captura de Tela 2015-06-24 às 22.34.01.png"/>
+          <p:cNvPicPr>
+            <a:picLocks noChangeAspect="1"/>
+          </p:cNvPicPr>
+          <p:nvPr/>
+        </p:nvPicPr>
+        <p:blipFill>
+          <a:blip r:embed="rId5">
+            <a:extLst>
+              <a:ext uri="{28A0092B-C50C-407E-A947-70E740481C1C}">
+                <a14:useLocalDpi xmlns:a14="http://schemas.microsoft.com/office/drawing/2010/main" val="0"/>
+              </a:ext>
+            </a:extLst>
+          </a:blip>
+          <a:stretch>
+            <a:fillRect/>
+          </a:stretch>
+        </p:blipFill>
+        <p:spPr>
+          <a:xfrm>
+            <a:off x="1816100" y="0"/>
+            <a:ext cx="5509938" cy="6858000"/>
+          </a:xfrm>
+          <a:prstGeom prst="rect">
+            <a:avLst/>
+          </a:prstGeom>
+        </p:spPr>
+      </p:pic>
+      <p:pic>
+        <p:nvPicPr>
+          <p:cNvPr id="9" name="Picture 8" descr="python_sh-600x600.png"/>
+          <p:cNvPicPr>
+            <a:picLocks noChangeAspect="1"/>
+          </p:cNvPicPr>
+          <p:nvPr/>
+        </p:nvPicPr>
+        <p:blipFill>
+          <a:blip r:embed="rId6">
+            <a:extLst>
+              <a:ext uri="{28A0092B-C50C-407E-A947-70E740481C1C}">
+                <a14:useLocalDpi xmlns:a14="http://schemas.microsoft.com/office/drawing/2010/main" val="0"/>
+              </a:ext>
+            </a:extLst>
+          </a:blip>
+          <a:stretch>
+            <a:fillRect/>
+          </a:stretch>
+        </p:blipFill>
+        <p:spPr>
+          <a:xfrm>
+            <a:off x="7339516" y="5066759"/>
+            <a:ext cx="1283242" cy="1283242"/>
+          </a:xfrm>
+          <a:prstGeom prst="rect">
+            <a:avLst/>
+          </a:prstGeom>
+        </p:spPr>
+      </p:pic>
+      <p:pic>
+        <p:nvPicPr>
+          <p:cNvPr id="10" name="Picture 9" descr="kivyii.png"/>
+          <p:cNvPicPr>
+            <a:picLocks noChangeAspect="1"/>
+          </p:cNvPicPr>
+          <p:nvPr/>
+        </p:nvPicPr>
+        <p:blipFill>
+          <a:blip r:embed="rId7">
+            <a:extLst>
+              <a:ext uri="{28A0092B-C50C-407E-A947-70E740481C1C}">
+                <a14:useLocalDpi xmlns:a14="http://schemas.microsoft.com/office/drawing/2010/main" val="0"/>
+              </a:ext>
+            </a:extLst>
+          </a:blip>
+          <a:stretch>
+            <a:fillRect/>
+          </a:stretch>
+        </p:blipFill>
+        <p:spPr>
+          <a:xfrm>
+            <a:off x="7595152" y="211667"/>
+            <a:ext cx="1027607" cy="1027607"/>
+          </a:xfrm>
+          <a:prstGeom prst="rect">
+            <a:avLst/>
+          </a:prstGeom>
+        </p:spPr>
+      </p:pic>
     </p:spTree>
     <p:extLst>
       <p:ext uri="{BB962C8B-B14F-4D97-AF65-F5344CB8AC3E}">
@@ -4025,6 +6133,920 @@
   <p:clrMapOvr>
     <a:masterClrMapping/>
   </p:clrMapOvr>
+  <p:transition xmlns:p14="http://schemas.microsoft.com/office/powerpoint/2010/main" spd="slow">
+    <p:push dir="u"/>
+  </p:transition>
+  <p:timing>
+    <p:tnLst>
+      <p:par>
+        <p:cTn xmlns:p14="http://schemas.microsoft.com/office/powerpoint/2010/main" id="1" dur="indefinite" restart="never" nodeType="tmRoot">
+          <p:childTnLst>
+            <p:seq concurrent="1" nextAc="seek">
+              <p:cTn id="2" dur="indefinite" nodeType="mainSeq">
+                <p:childTnLst>
+                  <p:par>
+                    <p:cTn id="3" fill="hold">
+                      <p:stCondLst>
+                        <p:cond delay="indefinite"/>
+                        <p:cond evt="onBegin" delay="0">
+                          <p:tn val="2"/>
+                        </p:cond>
+                      </p:stCondLst>
+                      <p:childTnLst>
+                        <p:par>
+                          <p:cTn id="4" fill="hold">
+                            <p:stCondLst>
+                              <p:cond delay="0"/>
+                            </p:stCondLst>
+                            <p:childTnLst>
+                              <p:par>
+                                <p:cTn id="5" presetID="2" presetClass="entr" presetSubtype="4" accel="50000" decel="50000" fill="hold" grpId="0" nodeType="afterEffect">
+                                  <p:stCondLst>
+                                    <p:cond delay="0"/>
+                                  </p:stCondLst>
+                                  <p:childTnLst>
+                                    <p:set>
+                                      <p:cBhvr>
+                                        <p:cTn id="6" dur="1" fill="hold">
+                                          <p:stCondLst>
+                                            <p:cond delay="0"/>
+                                          </p:stCondLst>
+                                        </p:cTn>
+                                        <p:tgtEl>
+                                          <p:spTgt spid="2"/>
+                                        </p:tgtEl>
+                                        <p:attrNameLst>
+                                          <p:attrName>style.visibility</p:attrName>
+                                        </p:attrNameLst>
+                                      </p:cBhvr>
+                                      <p:to>
+                                        <p:strVal val="visible"/>
+                                      </p:to>
+                                    </p:set>
+                                    <p:anim calcmode="lin" valueType="num">
+                                      <p:cBhvr additive="base">
+                                        <p:cTn id="7" dur="500" fill="hold"/>
+                                        <p:tgtEl>
+                                          <p:spTgt spid="2"/>
+                                        </p:tgtEl>
+                                        <p:attrNameLst>
+                                          <p:attrName>ppt_x</p:attrName>
+                                        </p:attrNameLst>
+                                      </p:cBhvr>
+                                      <p:tavLst>
+                                        <p:tav tm="0">
+                                          <p:val>
+                                            <p:strVal val="#ppt_x"/>
+                                          </p:val>
+                                        </p:tav>
+                                        <p:tav tm="100000">
+                                          <p:val>
+                                            <p:strVal val="#ppt_x"/>
+                                          </p:val>
+                                        </p:tav>
+                                      </p:tavLst>
+                                    </p:anim>
+                                    <p:anim calcmode="lin" valueType="num">
+                                      <p:cBhvr additive="base">
+                                        <p:cTn id="8" dur="500" fill="hold"/>
+                                        <p:tgtEl>
+                                          <p:spTgt spid="2"/>
+                                        </p:tgtEl>
+                                        <p:attrNameLst>
+                                          <p:attrName>ppt_y</p:attrName>
+                                        </p:attrNameLst>
+                                      </p:cBhvr>
+                                      <p:tavLst>
+                                        <p:tav tm="0">
+                                          <p:val>
+                                            <p:strVal val="1+#ppt_h/2"/>
+                                          </p:val>
+                                        </p:tav>
+                                        <p:tav tm="100000">
+                                          <p:val>
+                                            <p:strVal val="#ppt_y"/>
+                                          </p:val>
+                                        </p:tav>
+                                      </p:tavLst>
+                                    </p:anim>
+                                  </p:childTnLst>
+                                </p:cTn>
+                              </p:par>
+                            </p:childTnLst>
+                          </p:cTn>
+                        </p:par>
+                      </p:childTnLst>
+                    </p:cTn>
+                  </p:par>
+                  <p:par>
+                    <p:cTn id="9" fill="hold">
+                      <p:stCondLst>
+                        <p:cond delay="indefinite"/>
+                      </p:stCondLst>
+                      <p:childTnLst>
+                        <p:par>
+                          <p:cTn id="10" fill="hold">
+                            <p:stCondLst>
+                              <p:cond delay="0"/>
+                            </p:stCondLst>
+                            <p:childTnLst>
+                              <p:par>
+                                <p:cTn id="11" presetID="2" presetClass="exit" presetSubtype="4" accel="50000" decel="50000" fill="hold" grpId="1" nodeType="clickEffect">
+                                  <p:stCondLst>
+                                    <p:cond delay="0"/>
+                                  </p:stCondLst>
+                                  <p:childTnLst>
+                                    <p:anim calcmode="lin" valueType="num">
+                                      <p:cBhvr additive="base">
+                                        <p:cTn id="12" dur="500"/>
+                                        <p:tgtEl>
+                                          <p:spTgt spid="2"/>
+                                        </p:tgtEl>
+                                        <p:attrNameLst>
+                                          <p:attrName>ppt_x</p:attrName>
+                                        </p:attrNameLst>
+                                      </p:cBhvr>
+                                      <p:tavLst>
+                                        <p:tav tm="0">
+                                          <p:val>
+                                            <p:strVal val="ppt_x"/>
+                                          </p:val>
+                                        </p:tav>
+                                        <p:tav tm="100000">
+                                          <p:val>
+                                            <p:strVal val="ppt_x"/>
+                                          </p:val>
+                                        </p:tav>
+                                      </p:tavLst>
+                                    </p:anim>
+                                    <p:anim calcmode="lin" valueType="num">
+                                      <p:cBhvr additive="base">
+                                        <p:cTn id="13" dur="500"/>
+                                        <p:tgtEl>
+                                          <p:spTgt spid="2"/>
+                                        </p:tgtEl>
+                                        <p:attrNameLst>
+                                          <p:attrName>ppt_y</p:attrName>
+                                        </p:attrNameLst>
+                                      </p:cBhvr>
+                                      <p:tavLst>
+                                        <p:tav tm="0">
+                                          <p:val>
+                                            <p:strVal val="ppt_y"/>
+                                          </p:val>
+                                        </p:tav>
+                                        <p:tav tm="100000">
+                                          <p:val>
+                                            <p:strVal val="1+ppt_h/2"/>
+                                          </p:val>
+                                        </p:tav>
+                                      </p:tavLst>
+                                    </p:anim>
+                                    <p:set>
+                                      <p:cBhvr>
+                                        <p:cTn id="14" dur="1" fill="hold">
+                                          <p:stCondLst>
+                                            <p:cond delay="499"/>
+                                          </p:stCondLst>
+                                        </p:cTn>
+                                        <p:tgtEl>
+                                          <p:spTgt spid="2"/>
+                                        </p:tgtEl>
+                                        <p:attrNameLst>
+                                          <p:attrName>style.visibility</p:attrName>
+                                        </p:attrNameLst>
+                                      </p:cBhvr>
+                                      <p:to>
+                                        <p:strVal val="hidden"/>
+                                      </p:to>
+                                    </p:set>
+                                  </p:childTnLst>
+                                </p:cTn>
+                              </p:par>
+                            </p:childTnLst>
+                          </p:cTn>
+                        </p:par>
+                        <p:par>
+                          <p:cTn id="15" fill="hold">
+                            <p:stCondLst>
+                              <p:cond delay="500"/>
+                            </p:stCondLst>
+                            <p:childTnLst>
+                              <p:par>
+                                <p:cTn id="16" presetID="2" presetClass="entr" presetSubtype="4" accel="50000" decel="50000" fill="hold" nodeType="afterEffect">
+                                  <p:stCondLst>
+                                    <p:cond delay="0"/>
+                                  </p:stCondLst>
+                                  <p:childTnLst>
+                                    <p:set>
+                                      <p:cBhvr>
+                                        <p:cTn id="17" dur="1" fill="hold">
+                                          <p:stCondLst>
+                                            <p:cond delay="0"/>
+                                          </p:stCondLst>
+                                        </p:cTn>
+                                        <p:tgtEl>
+                                          <p:spTgt spid="5"/>
+                                        </p:tgtEl>
+                                        <p:attrNameLst>
+                                          <p:attrName>style.visibility</p:attrName>
+                                        </p:attrNameLst>
+                                      </p:cBhvr>
+                                      <p:to>
+                                        <p:strVal val="visible"/>
+                                      </p:to>
+                                    </p:set>
+                                    <p:anim calcmode="lin" valueType="num">
+                                      <p:cBhvr additive="base">
+                                        <p:cTn id="18" dur="500" fill="hold"/>
+                                        <p:tgtEl>
+                                          <p:spTgt spid="5"/>
+                                        </p:tgtEl>
+                                        <p:attrNameLst>
+                                          <p:attrName>ppt_x</p:attrName>
+                                        </p:attrNameLst>
+                                      </p:cBhvr>
+                                      <p:tavLst>
+                                        <p:tav tm="0">
+                                          <p:val>
+                                            <p:strVal val="#ppt_x"/>
+                                          </p:val>
+                                        </p:tav>
+                                        <p:tav tm="100000">
+                                          <p:val>
+                                            <p:strVal val="#ppt_x"/>
+                                          </p:val>
+                                        </p:tav>
+                                      </p:tavLst>
+                                    </p:anim>
+                                    <p:anim calcmode="lin" valueType="num">
+                                      <p:cBhvr additive="base">
+                                        <p:cTn id="19" dur="500" fill="hold"/>
+                                        <p:tgtEl>
+                                          <p:spTgt spid="5"/>
+                                        </p:tgtEl>
+                                        <p:attrNameLst>
+                                          <p:attrName>ppt_y</p:attrName>
+                                        </p:attrNameLst>
+                                      </p:cBhvr>
+                                      <p:tavLst>
+                                        <p:tav tm="0">
+                                          <p:val>
+                                            <p:strVal val="1+#ppt_h/2"/>
+                                          </p:val>
+                                        </p:tav>
+                                        <p:tav tm="100000">
+                                          <p:val>
+                                            <p:strVal val="#ppt_y"/>
+                                          </p:val>
+                                        </p:tav>
+                                      </p:tavLst>
+                                    </p:anim>
+                                  </p:childTnLst>
+                                </p:cTn>
+                              </p:par>
+                            </p:childTnLst>
+                          </p:cTn>
+                        </p:par>
+                      </p:childTnLst>
+                    </p:cTn>
+                  </p:par>
+                  <p:par>
+                    <p:cTn id="20" fill="hold">
+                      <p:stCondLst>
+                        <p:cond delay="indefinite"/>
+                      </p:stCondLst>
+                      <p:childTnLst>
+                        <p:par>
+                          <p:cTn id="21" fill="hold">
+                            <p:stCondLst>
+                              <p:cond delay="0"/>
+                            </p:stCondLst>
+                            <p:childTnLst>
+                              <p:par>
+                                <p:cTn id="22" presetID="2" presetClass="exit" presetSubtype="4" fill="hold" nodeType="clickEffect">
+                                  <p:stCondLst>
+                                    <p:cond delay="0"/>
+                                  </p:stCondLst>
+                                  <p:childTnLst>
+                                    <p:anim calcmode="lin" valueType="num">
+                                      <p:cBhvr additive="base">
+                                        <p:cTn id="23" dur="500"/>
+                                        <p:tgtEl>
+                                          <p:spTgt spid="5"/>
+                                        </p:tgtEl>
+                                        <p:attrNameLst>
+                                          <p:attrName>ppt_x</p:attrName>
+                                        </p:attrNameLst>
+                                      </p:cBhvr>
+                                      <p:tavLst>
+                                        <p:tav tm="0">
+                                          <p:val>
+                                            <p:strVal val="ppt_x"/>
+                                          </p:val>
+                                        </p:tav>
+                                        <p:tav tm="100000">
+                                          <p:val>
+                                            <p:strVal val="ppt_x"/>
+                                          </p:val>
+                                        </p:tav>
+                                      </p:tavLst>
+                                    </p:anim>
+                                    <p:anim calcmode="lin" valueType="num">
+                                      <p:cBhvr additive="base">
+                                        <p:cTn id="24" dur="500"/>
+                                        <p:tgtEl>
+                                          <p:spTgt spid="5"/>
+                                        </p:tgtEl>
+                                        <p:attrNameLst>
+                                          <p:attrName>ppt_y</p:attrName>
+                                        </p:attrNameLst>
+                                      </p:cBhvr>
+                                      <p:tavLst>
+                                        <p:tav tm="0">
+                                          <p:val>
+                                            <p:strVal val="ppt_y"/>
+                                          </p:val>
+                                        </p:tav>
+                                        <p:tav tm="100000">
+                                          <p:val>
+                                            <p:strVal val="1+ppt_h/2"/>
+                                          </p:val>
+                                        </p:tav>
+                                      </p:tavLst>
+                                    </p:anim>
+                                    <p:set>
+                                      <p:cBhvr>
+                                        <p:cTn id="25" dur="1" fill="hold">
+                                          <p:stCondLst>
+                                            <p:cond delay="499"/>
+                                          </p:stCondLst>
+                                        </p:cTn>
+                                        <p:tgtEl>
+                                          <p:spTgt spid="5"/>
+                                        </p:tgtEl>
+                                        <p:attrNameLst>
+                                          <p:attrName>style.visibility</p:attrName>
+                                        </p:attrNameLst>
+                                      </p:cBhvr>
+                                      <p:to>
+                                        <p:strVal val="hidden"/>
+                                      </p:to>
+                                    </p:set>
+                                  </p:childTnLst>
+                                </p:cTn>
+                              </p:par>
+                            </p:childTnLst>
+                          </p:cTn>
+                        </p:par>
+                        <p:par>
+                          <p:cTn id="26" fill="hold">
+                            <p:stCondLst>
+                              <p:cond delay="500"/>
+                            </p:stCondLst>
+                            <p:childTnLst>
+                              <p:par>
+                                <p:cTn id="27" presetID="2" presetClass="entr" presetSubtype="4" accel="50000" decel="50000" fill="hold" nodeType="afterEffect">
+                                  <p:stCondLst>
+                                    <p:cond delay="0"/>
+                                  </p:stCondLst>
+                                  <p:childTnLst>
+                                    <p:set>
+                                      <p:cBhvr>
+                                        <p:cTn id="28" dur="1" fill="hold">
+                                          <p:stCondLst>
+                                            <p:cond delay="0"/>
+                                          </p:stCondLst>
+                                        </p:cTn>
+                                        <p:tgtEl>
+                                          <p:spTgt spid="6"/>
+                                        </p:tgtEl>
+                                        <p:attrNameLst>
+                                          <p:attrName>style.visibility</p:attrName>
+                                        </p:attrNameLst>
+                                      </p:cBhvr>
+                                      <p:to>
+                                        <p:strVal val="visible"/>
+                                      </p:to>
+                                    </p:set>
+                                    <p:anim calcmode="lin" valueType="num">
+                                      <p:cBhvr additive="base">
+                                        <p:cTn id="29" dur="500" fill="hold"/>
+                                        <p:tgtEl>
+                                          <p:spTgt spid="6"/>
+                                        </p:tgtEl>
+                                        <p:attrNameLst>
+                                          <p:attrName>ppt_x</p:attrName>
+                                        </p:attrNameLst>
+                                      </p:cBhvr>
+                                      <p:tavLst>
+                                        <p:tav tm="0">
+                                          <p:val>
+                                            <p:strVal val="#ppt_x"/>
+                                          </p:val>
+                                        </p:tav>
+                                        <p:tav tm="100000">
+                                          <p:val>
+                                            <p:strVal val="#ppt_x"/>
+                                          </p:val>
+                                        </p:tav>
+                                      </p:tavLst>
+                                    </p:anim>
+                                    <p:anim calcmode="lin" valueType="num">
+                                      <p:cBhvr additive="base">
+                                        <p:cTn id="30" dur="500" fill="hold"/>
+                                        <p:tgtEl>
+                                          <p:spTgt spid="6"/>
+                                        </p:tgtEl>
+                                        <p:attrNameLst>
+                                          <p:attrName>ppt_y</p:attrName>
+                                        </p:attrNameLst>
+                                      </p:cBhvr>
+                                      <p:tavLst>
+                                        <p:tav tm="0">
+                                          <p:val>
+                                            <p:strVal val="1+#ppt_h/2"/>
+                                          </p:val>
+                                        </p:tav>
+                                        <p:tav tm="100000">
+                                          <p:val>
+                                            <p:strVal val="#ppt_y"/>
+                                          </p:val>
+                                        </p:tav>
+                                      </p:tavLst>
+                                    </p:anim>
+                                  </p:childTnLst>
+                                </p:cTn>
+                              </p:par>
+                            </p:childTnLst>
+                          </p:cTn>
+                        </p:par>
+                      </p:childTnLst>
+                    </p:cTn>
+                  </p:par>
+                  <p:par>
+                    <p:cTn id="31" fill="hold">
+                      <p:stCondLst>
+                        <p:cond delay="indefinite"/>
+                      </p:stCondLst>
+                      <p:childTnLst>
+                        <p:par>
+                          <p:cTn id="32" fill="hold">
+                            <p:stCondLst>
+                              <p:cond delay="0"/>
+                            </p:stCondLst>
+                            <p:childTnLst>
+                              <p:par>
+                                <p:cTn id="33" presetID="2" presetClass="exit" presetSubtype="4" fill="hold" nodeType="clickEffect">
+                                  <p:stCondLst>
+                                    <p:cond delay="0"/>
+                                  </p:stCondLst>
+                                  <p:childTnLst>
+                                    <p:anim calcmode="lin" valueType="num">
+                                      <p:cBhvr additive="base">
+                                        <p:cTn id="34" dur="500"/>
+                                        <p:tgtEl>
+                                          <p:spTgt spid="6"/>
+                                        </p:tgtEl>
+                                        <p:attrNameLst>
+                                          <p:attrName>ppt_x</p:attrName>
+                                        </p:attrNameLst>
+                                      </p:cBhvr>
+                                      <p:tavLst>
+                                        <p:tav tm="0">
+                                          <p:val>
+                                            <p:strVal val="ppt_x"/>
+                                          </p:val>
+                                        </p:tav>
+                                        <p:tav tm="100000">
+                                          <p:val>
+                                            <p:strVal val="ppt_x"/>
+                                          </p:val>
+                                        </p:tav>
+                                      </p:tavLst>
+                                    </p:anim>
+                                    <p:anim calcmode="lin" valueType="num">
+                                      <p:cBhvr additive="base">
+                                        <p:cTn id="35" dur="500"/>
+                                        <p:tgtEl>
+                                          <p:spTgt spid="6"/>
+                                        </p:tgtEl>
+                                        <p:attrNameLst>
+                                          <p:attrName>ppt_y</p:attrName>
+                                        </p:attrNameLst>
+                                      </p:cBhvr>
+                                      <p:tavLst>
+                                        <p:tav tm="0">
+                                          <p:val>
+                                            <p:strVal val="ppt_y"/>
+                                          </p:val>
+                                        </p:tav>
+                                        <p:tav tm="100000">
+                                          <p:val>
+                                            <p:strVal val="1+ppt_h/2"/>
+                                          </p:val>
+                                        </p:tav>
+                                      </p:tavLst>
+                                    </p:anim>
+                                    <p:set>
+                                      <p:cBhvr>
+                                        <p:cTn id="36" dur="1" fill="hold">
+                                          <p:stCondLst>
+                                            <p:cond delay="499"/>
+                                          </p:stCondLst>
+                                        </p:cTn>
+                                        <p:tgtEl>
+                                          <p:spTgt spid="6"/>
+                                        </p:tgtEl>
+                                        <p:attrNameLst>
+                                          <p:attrName>style.visibility</p:attrName>
+                                        </p:attrNameLst>
+                                      </p:cBhvr>
+                                      <p:to>
+                                        <p:strVal val="hidden"/>
+                                      </p:to>
+                                    </p:set>
+                                  </p:childTnLst>
+                                </p:cTn>
+                              </p:par>
+                            </p:childTnLst>
+                          </p:cTn>
+                        </p:par>
+                        <p:par>
+                          <p:cTn id="37" fill="hold">
+                            <p:stCondLst>
+                              <p:cond delay="500"/>
+                            </p:stCondLst>
+                            <p:childTnLst>
+                              <p:par>
+                                <p:cTn id="38" presetID="2" presetClass="entr" presetSubtype="4" accel="50000" decel="50000" fill="hold" nodeType="afterEffect">
+                                  <p:stCondLst>
+                                    <p:cond delay="0"/>
+                                  </p:stCondLst>
+                                  <p:childTnLst>
+                                    <p:set>
+                                      <p:cBhvr>
+                                        <p:cTn id="39" dur="1" fill="hold">
+                                          <p:stCondLst>
+                                            <p:cond delay="0"/>
+                                          </p:stCondLst>
+                                        </p:cTn>
+                                        <p:tgtEl>
+                                          <p:spTgt spid="7"/>
+                                        </p:tgtEl>
+                                        <p:attrNameLst>
+                                          <p:attrName>style.visibility</p:attrName>
+                                        </p:attrNameLst>
+                                      </p:cBhvr>
+                                      <p:to>
+                                        <p:strVal val="visible"/>
+                                      </p:to>
+                                    </p:set>
+                                    <p:anim calcmode="lin" valueType="num">
+                                      <p:cBhvr additive="base">
+                                        <p:cTn id="40" dur="500" fill="hold"/>
+                                        <p:tgtEl>
+                                          <p:spTgt spid="7"/>
+                                        </p:tgtEl>
+                                        <p:attrNameLst>
+                                          <p:attrName>ppt_x</p:attrName>
+                                        </p:attrNameLst>
+                                      </p:cBhvr>
+                                      <p:tavLst>
+                                        <p:tav tm="0">
+                                          <p:val>
+                                            <p:strVal val="#ppt_x"/>
+                                          </p:val>
+                                        </p:tav>
+                                        <p:tav tm="100000">
+                                          <p:val>
+                                            <p:strVal val="#ppt_x"/>
+                                          </p:val>
+                                        </p:tav>
+                                      </p:tavLst>
+                                    </p:anim>
+                                    <p:anim calcmode="lin" valueType="num">
+                                      <p:cBhvr additive="base">
+                                        <p:cTn id="41" dur="500" fill="hold"/>
+                                        <p:tgtEl>
+                                          <p:spTgt spid="7"/>
+                                        </p:tgtEl>
+                                        <p:attrNameLst>
+                                          <p:attrName>ppt_y</p:attrName>
+                                        </p:attrNameLst>
+                                      </p:cBhvr>
+                                      <p:tavLst>
+                                        <p:tav tm="0">
+                                          <p:val>
+                                            <p:strVal val="1+#ppt_h/2"/>
+                                          </p:val>
+                                        </p:tav>
+                                        <p:tav tm="100000">
+                                          <p:val>
+                                            <p:strVal val="#ppt_y"/>
+                                          </p:val>
+                                        </p:tav>
+                                      </p:tavLst>
+                                    </p:anim>
+                                  </p:childTnLst>
+                                </p:cTn>
+                              </p:par>
+                            </p:childTnLst>
+                          </p:cTn>
+                        </p:par>
+                      </p:childTnLst>
+                    </p:cTn>
+                  </p:par>
+                  <p:par>
+                    <p:cTn id="42" fill="hold">
+                      <p:stCondLst>
+                        <p:cond delay="indefinite"/>
+                      </p:stCondLst>
+                      <p:childTnLst>
+                        <p:par>
+                          <p:cTn id="43" fill="hold">
+                            <p:stCondLst>
+                              <p:cond delay="0"/>
+                            </p:stCondLst>
+                            <p:childTnLst>
+                              <p:par>
+                                <p:cTn id="44" presetID="2" presetClass="exit" presetSubtype="4" fill="hold" nodeType="clickEffect">
+                                  <p:stCondLst>
+                                    <p:cond delay="0"/>
+                                  </p:stCondLst>
+                                  <p:childTnLst>
+                                    <p:anim calcmode="lin" valueType="num">
+                                      <p:cBhvr additive="base">
+                                        <p:cTn id="45" dur="500"/>
+                                        <p:tgtEl>
+                                          <p:spTgt spid="7"/>
+                                        </p:tgtEl>
+                                        <p:attrNameLst>
+                                          <p:attrName>ppt_x</p:attrName>
+                                        </p:attrNameLst>
+                                      </p:cBhvr>
+                                      <p:tavLst>
+                                        <p:tav tm="0">
+                                          <p:val>
+                                            <p:strVal val="ppt_x"/>
+                                          </p:val>
+                                        </p:tav>
+                                        <p:tav tm="100000">
+                                          <p:val>
+                                            <p:strVal val="ppt_x"/>
+                                          </p:val>
+                                        </p:tav>
+                                      </p:tavLst>
+                                    </p:anim>
+                                    <p:anim calcmode="lin" valueType="num">
+                                      <p:cBhvr additive="base">
+                                        <p:cTn id="46" dur="500"/>
+                                        <p:tgtEl>
+                                          <p:spTgt spid="7"/>
+                                        </p:tgtEl>
+                                        <p:attrNameLst>
+                                          <p:attrName>ppt_y</p:attrName>
+                                        </p:attrNameLst>
+                                      </p:cBhvr>
+                                      <p:tavLst>
+                                        <p:tav tm="0">
+                                          <p:val>
+                                            <p:strVal val="ppt_y"/>
+                                          </p:val>
+                                        </p:tav>
+                                        <p:tav tm="100000">
+                                          <p:val>
+                                            <p:strVal val="1+ppt_h/2"/>
+                                          </p:val>
+                                        </p:tav>
+                                      </p:tavLst>
+                                    </p:anim>
+                                    <p:set>
+                                      <p:cBhvr>
+                                        <p:cTn id="47" dur="1" fill="hold">
+                                          <p:stCondLst>
+                                            <p:cond delay="499"/>
+                                          </p:stCondLst>
+                                        </p:cTn>
+                                        <p:tgtEl>
+                                          <p:spTgt spid="7"/>
+                                        </p:tgtEl>
+                                        <p:attrNameLst>
+                                          <p:attrName>style.visibility</p:attrName>
+                                        </p:attrNameLst>
+                                      </p:cBhvr>
+                                      <p:to>
+                                        <p:strVal val="hidden"/>
+                                      </p:to>
+                                    </p:set>
+                                  </p:childTnLst>
+                                </p:cTn>
+                              </p:par>
+                            </p:childTnLst>
+                          </p:cTn>
+                        </p:par>
+                        <p:par>
+                          <p:cTn id="48" fill="hold">
+                            <p:stCondLst>
+                              <p:cond delay="500"/>
+                            </p:stCondLst>
+                            <p:childTnLst>
+                              <p:par>
+                                <p:cTn id="49" presetID="2" presetClass="entr" presetSubtype="4" accel="50000" decel="50000" fill="hold" nodeType="afterEffect">
+                                  <p:stCondLst>
+                                    <p:cond delay="0"/>
+                                  </p:stCondLst>
+                                  <p:childTnLst>
+                                    <p:set>
+                                      <p:cBhvr>
+                                        <p:cTn id="50" dur="1" fill="hold">
+                                          <p:stCondLst>
+                                            <p:cond delay="0"/>
+                                          </p:stCondLst>
+                                        </p:cTn>
+                                        <p:tgtEl>
+                                          <p:spTgt spid="8"/>
+                                        </p:tgtEl>
+                                        <p:attrNameLst>
+                                          <p:attrName>style.visibility</p:attrName>
+                                        </p:attrNameLst>
+                                      </p:cBhvr>
+                                      <p:to>
+                                        <p:strVal val="visible"/>
+                                      </p:to>
+                                    </p:set>
+                                    <p:anim calcmode="lin" valueType="num">
+                                      <p:cBhvr additive="base">
+                                        <p:cTn id="51" dur="500" fill="hold"/>
+                                        <p:tgtEl>
+                                          <p:spTgt spid="8"/>
+                                        </p:tgtEl>
+                                        <p:attrNameLst>
+                                          <p:attrName>ppt_x</p:attrName>
+                                        </p:attrNameLst>
+                                      </p:cBhvr>
+                                      <p:tavLst>
+                                        <p:tav tm="0">
+                                          <p:val>
+                                            <p:strVal val="#ppt_x"/>
+                                          </p:val>
+                                        </p:tav>
+                                        <p:tav tm="100000">
+                                          <p:val>
+                                            <p:strVal val="#ppt_x"/>
+                                          </p:val>
+                                        </p:tav>
+                                      </p:tavLst>
+                                    </p:anim>
+                                    <p:anim calcmode="lin" valueType="num">
+                                      <p:cBhvr additive="base">
+                                        <p:cTn id="52" dur="500" fill="hold"/>
+                                        <p:tgtEl>
+                                          <p:spTgt spid="8"/>
+                                        </p:tgtEl>
+                                        <p:attrNameLst>
+                                          <p:attrName>ppt_y</p:attrName>
+                                        </p:attrNameLst>
+                                      </p:cBhvr>
+                                      <p:tavLst>
+                                        <p:tav tm="0">
+                                          <p:val>
+                                            <p:strVal val="1+#ppt_h/2"/>
+                                          </p:val>
+                                        </p:tav>
+                                        <p:tav tm="100000">
+                                          <p:val>
+                                            <p:strVal val="#ppt_y"/>
+                                          </p:val>
+                                        </p:tav>
+                                      </p:tavLst>
+                                    </p:anim>
+                                  </p:childTnLst>
+                                </p:cTn>
+                              </p:par>
+                            </p:childTnLst>
+                          </p:cTn>
+                        </p:par>
+                      </p:childTnLst>
+                    </p:cTn>
+                  </p:par>
+                  <p:par>
+                    <p:cTn id="53" fill="hold">
+                      <p:stCondLst>
+                        <p:cond delay="indefinite"/>
+                      </p:stCondLst>
+                      <p:childTnLst>
+                        <p:par>
+                          <p:cTn id="54" fill="hold">
+                            <p:stCondLst>
+                              <p:cond delay="0"/>
+                            </p:stCondLst>
+                            <p:childTnLst>
+                              <p:par>
+                                <p:cTn id="55" presetID="2" presetClass="exit" presetSubtype="4" fill="hold" nodeType="clickEffect">
+                                  <p:stCondLst>
+                                    <p:cond delay="0"/>
+                                  </p:stCondLst>
+                                  <p:childTnLst>
+                                    <p:anim calcmode="lin" valueType="num">
+                                      <p:cBhvr additive="base">
+                                        <p:cTn id="56" dur="500"/>
+                                        <p:tgtEl>
+                                          <p:spTgt spid="8"/>
+                                        </p:tgtEl>
+                                        <p:attrNameLst>
+                                          <p:attrName>ppt_x</p:attrName>
+                                        </p:attrNameLst>
+                                      </p:cBhvr>
+                                      <p:tavLst>
+                                        <p:tav tm="0">
+                                          <p:val>
+                                            <p:strVal val="ppt_x"/>
+                                          </p:val>
+                                        </p:tav>
+                                        <p:tav tm="100000">
+                                          <p:val>
+                                            <p:strVal val="ppt_x"/>
+                                          </p:val>
+                                        </p:tav>
+                                      </p:tavLst>
+                                    </p:anim>
+                                    <p:anim calcmode="lin" valueType="num">
+                                      <p:cBhvr additive="base">
+                                        <p:cTn id="57" dur="500"/>
+                                        <p:tgtEl>
+                                          <p:spTgt spid="8"/>
+                                        </p:tgtEl>
+                                        <p:attrNameLst>
+                                          <p:attrName>ppt_y</p:attrName>
+                                        </p:attrNameLst>
+                                      </p:cBhvr>
+                                      <p:tavLst>
+                                        <p:tav tm="0">
+                                          <p:val>
+                                            <p:strVal val="ppt_y"/>
+                                          </p:val>
+                                        </p:tav>
+                                        <p:tav tm="100000">
+                                          <p:val>
+                                            <p:strVal val="1+ppt_h/2"/>
+                                          </p:val>
+                                        </p:tav>
+                                      </p:tavLst>
+                                    </p:anim>
+                                    <p:set>
+                                      <p:cBhvr>
+                                        <p:cTn id="58" dur="1" fill="hold">
+                                          <p:stCondLst>
+                                            <p:cond delay="499"/>
+                                          </p:stCondLst>
+                                        </p:cTn>
+                                        <p:tgtEl>
+                                          <p:spTgt spid="8"/>
+                                        </p:tgtEl>
+                                        <p:attrNameLst>
+                                          <p:attrName>style.visibility</p:attrName>
+                                        </p:attrNameLst>
+                                      </p:cBhvr>
+                                      <p:to>
+                                        <p:strVal val="hidden"/>
+                                      </p:to>
+                                    </p:set>
+                                  </p:childTnLst>
+                                </p:cTn>
+                              </p:par>
+                            </p:childTnLst>
+                          </p:cTn>
+                        </p:par>
+                      </p:childTnLst>
+                    </p:cTn>
+                  </p:par>
+                </p:childTnLst>
+              </p:cTn>
+              <p:prevCondLst>
+                <p:cond evt="onPrev" delay="0">
+                  <p:tgtEl>
+                    <p:sldTgt/>
+                  </p:tgtEl>
+                </p:cond>
+              </p:prevCondLst>
+              <p:nextCondLst>
+                <p:cond evt="onNext" delay="0">
+                  <p:tgtEl>
+                    <p:sldTgt/>
+                  </p:tgtEl>
+                </p:cond>
+              </p:nextCondLst>
+            </p:seq>
+          </p:childTnLst>
+        </p:cTn>
+      </p:par>
+    </p:tnLst>
+    <p:bldLst>
+      <p:bldP spid="2" grpId="0"/>
+      <p:bldP spid="2" grpId="1"/>
+    </p:bldLst>
+  </p:timing>
 </p:sld>
 </file>
 
